--- a/results/CM - Diagram.pptx
+++ b/results/CM - Diagram.pptx
@@ -8008,10 +8008,10 @@
       </p:sp>
       <p:grpSp>
         <p:nvGrpSpPr>
-          <p:cNvPr id="47" name="Group 46">
+          <p:cNvPr id="2" name="Group 1">
             <a:extLst>
               <a:ext uri="{FF2B5EF4-FFF2-40B4-BE49-F238E27FC236}">
-                <a16:creationId xmlns:a16="http://schemas.microsoft.com/office/drawing/2014/main" id="{272FCE64-83EB-5449-AF13-E34E9A29A4C1}"/>
+                <a16:creationId xmlns:a16="http://schemas.microsoft.com/office/drawing/2014/main" id="{183C884C-6E47-9948-A367-894275220F32}"/>
               </a:ext>
             </a:extLst>
           </p:cNvPr>
@@ -8092,8 +8092,8 @@
           </p:nvSpPr>
           <p:spPr>
             <a:xfrm>
-              <a:off x="1964599" y="2412336"/>
-              <a:ext cx="142200" cy="152400"/>
+              <a:off x="1954646" y="2417473"/>
+              <a:ext cx="60370" cy="45719"/>
             </a:xfrm>
             <a:prstGeom prst="rect">
               <a:avLst/>
@@ -8103,7 +8103,163 @@
             </a:solidFill>
             <a:ln w="9525" cap="flat" cmpd="sng">
               <a:solidFill>
-                <a:srgbClr val="000000"/>
+                <a:srgbClr val="FFFF00"/>
+              </a:solidFill>
+              <a:prstDash val="solid"/>
+              <a:round/>
+              <a:headEnd type="none" w="sm" len="sm"/>
+              <a:tailEnd type="none" w="sm" len="sm"/>
+            </a:ln>
+          </p:spPr>
+          <p:txBody>
+            <a:bodyPr spcFirstLastPara="1" wrap="square" lIns="91425" tIns="91425" rIns="91425" bIns="91425" anchor="ctr" anchorCtr="0">
+              <a:noAutofit/>
+            </a:bodyPr>
+            <a:lstStyle/>
+            <a:p>
+              <a:pPr marL="0" lvl="0" indent="0" algn="l" rtl="0">
+                <a:spcBef>
+                  <a:spcPts val="0"/>
+                </a:spcBef>
+                <a:spcAft>
+                  <a:spcPts val="0"/>
+                </a:spcAft>
+                <a:buNone/>
+              </a:pPr>
+              <a:endParaRPr dirty="0"/>
+            </a:p>
+          </p:txBody>
+        </p:sp>
+        <p:sp>
+          <p:nvSpPr>
+            <p:cNvPr id="72" name="Google Shape;67;p13">
+              <a:extLst>
+                <a:ext uri="{FF2B5EF4-FFF2-40B4-BE49-F238E27FC236}">
+                  <a16:creationId xmlns:a16="http://schemas.microsoft.com/office/drawing/2014/main" id="{BD61B803-68BD-4340-ADED-137E8138499C}"/>
+                </a:ext>
+              </a:extLst>
+            </p:cNvPr>
+            <p:cNvSpPr/>
+            <p:nvPr/>
+          </p:nvSpPr>
+          <p:spPr>
+            <a:xfrm>
+              <a:off x="2052587" y="2417473"/>
+              <a:ext cx="60370" cy="45719"/>
+            </a:xfrm>
+            <a:prstGeom prst="rect">
+              <a:avLst/>
+            </a:prstGeom>
+            <a:solidFill>
+              <a:srgbClr val="FFFF00"/>
+            </a:solidFill>
+            <a:ln w="9525" cap="flat" cmpd="sng">
+              <a:solidFill>
+                <a:srgbClr val="FFFF00"/>
+              </a:solidFill>
+              <a:prstDash val="solid"/>
+              <a:round/>
+              <a:headEnd type="none" w="sm" len="sm"/>
+              <a:tailEnd type="none" w="sm" len="sm"/>
+            </a:ln>
+          </p:spPr>
+          <p:txBody>
+            <a:bodyPr spcFirstLastPara="1" wrap="square" lIns="91425" tIns="91425" rIns="91425" bIns="91425" anchor="ctr" anchorCtr="0">
+              <a:noAutofit/>
+            </a:bodyPr>
+            <a:lstStyle/>
+            <a:p>
+              <a:pPr marL="0" lvl="0" indent="0" algn="l" rtl="0">
+                <a:spcBef>
+                  <a:spcPts val="0"/>
+                </a:spcBef>
+                <a:spcAft>
+                  <a:spcPts val="0"/>
+                </a:spcAft>
+                <a:buNone/>
+              </a:pPr>
+              <a:endParaRPr dirty="0"/>
+            </a:p>
+          </p:txBody>
+        </p:sp>
+        <p:sp>
+          <p:nvSpPr>
+            <p:cNvPr id="73" name="Google Shape;67;p13">
+              <a:extLst>
+                <a:ext uri="{FF2B5EF4-FFF2-40B4-BE49-F238E27FC236}">
+                  <a16:creationId xmlns:a16="http://schemas.microsoft.com/office/drawing/2014/main" id="{594DC1F3-D6B7-B041-AFB1-2798D7A055CA}"/>
+                </a:ext>
+              </a:extLst>
+            </p:cNvPr>
+            <p:cNvSpPr/>
+            <p:nvPr/>
+          </p:nvSpPr>
+          <p:spPr>
+            <a:xfrm>
+              <a:off x="1957096" y="2509289"/>
+              <a:ext cx="60370" cy="45719"/>
+            </a:xfrm>
+            <a:prstGeom prst="rect">
+              <a:avLst/>
+            </a:prstGeom>
+            <a:solidFill>
+              <a:srgbClr val="FFFF00"/>
+            </a:solidFill>
+            <a:ln w="9525" cap="flat" cmpd="sng">
+              <a:solidFill>
+                <a:srgbClr val="FFFF00"/>
+              </a:solidFill>
+              <a:prstDash val="solid"/>
+              <a:round/>
+              <a:headEnd type="none" w="sm" len="sm"/>
+              <a:tailEnd type="none" w="sm" len="sm"/>
+            </a:ln>
+          </p:spPr>
+          <p:txBody>
+            <a:bodyPr spcFirstLastPara="1" wrap="square" lIns="91425" tIns="91425" rIns="91425" bIns="91425" anchor="ctr" anchorCtr="0">
+              <a:noAutofit/>
+            </a:bodyPr>
+            <a:lstStyle/>
+            <a:p>
+              <a:pPr marL="0" lvl="0" indent="0" algn="l" rtl="0">
+                <a:spcBef>
+                  <a:spcPts val="0"/>
+                </a:spcBef>
+                <a:spcAft>
+                  <a:spcPts val="0"/>
+                </a:spcAft>
+                <a:buNone/>
+              </a:pPr>
+              <a:endParaRPr dirty="0"/>
+            </a:p>
+          </p:txBody>
+        </p:sp>
+        <p:sp>
+          <p:nvSpPr>
+            <p:cNvPr id="78" name="Google Shape;67;p13">
+              <a:extLst>
+                <a:ext uri="{FF2B5EF4-FFF2-40B4-BE49-F238E27FC236}">
+                  <a16:creationId xmlns:a16="http://schemas.microsoft.com/office/drawing/2014/main" id="{3E052506-F4FD-D347-A1D3-40D4C4751154}"/>
+                </a:ext>
+              </a:extLst>
+            </p:cNvPr>
+            <p:cNvSpPr/>
+            <p:nvPr/>
+          </p:nvSpPr>
+          <p:spPr>
+            <a:xfrm>
+              <a:off x="2050775" y="2509289"/>
+              <a:ext cx="60370" cy="45719"/>
+            </a:xfrm>
+            <a:prstGeom prst="rect">
+              <a:avLst/>
+            </a:prstGeom>
+            <a:solidFill>
+              <a:srgbClr val="FFFF00"/>
+            </a:solidFill>
+            <a:ln w="9525" cap="flat" cmpd="sng">
+              <a:solidFill>
+                <a:srgbClr val="FFFF00"/>
               </a:solidFill>
               <a:prstDash val="solid"/>
               <a:round/>
@@ -8133,10 +8289,10 @@
       </p:grpSp>
       <p:grpSp>
         <p:nvGrpSpPr>
-          <p:cNvPr id="97" name="Group 96">
+          <p:cNvPr id="79" name="Group 78">
             <a:extLst>
               <a:ext uri="{FF2B5EF4-FFF2-40B4-BE49-F238E27FC236}">
-                <a16:creationId xmlns:a16="http://schemas.microsoft.com/office/drawing/2014/main" id="{ADE46CC1-1D91-6A4E-8FE9-60591FE27376}"/>
+                <a16:creationId xmlns:a16="http://schemas.microsoft.com/office/drawing/2014/main" id="{95929902-2F2D-9440-88AA-53193B07F67E}"/>
               </a:ext>
             </a:extLst>
           </p:cNvPr>
@@ -8145,7 +8301,7 @@
         </p:nvGrpSpPr>
         <p:grpSpPr>
           <a:xfrm>
-            <a:off x="2258671" y="2372284"/>
+            <a:off x="2260941" y="2367583"/>
             <a:ext cx="244561" cy="233357"/>
             <a:chOff x="1913748" y="2369411"/>
             <a:chExt cx="244561" cy="233357"/>
@@ -8153,10 +8309,10 @@
         </p:grpSpPr>
         <p:sp>
           <p:nvSpPr>
-            <p:cNvPr id="98" name="Google Shape;67;p13">
+            <p:cNvPr id="80" name="Google Shape;67;p13">
               <a:extLst>
                 <a:ext uri="{FF2B5EF4-FFF2-40B4-BE49-F238E27FC236}">
-                  <a16:creationId xmlns:a16="http://schemas.microsoft.com/office/drawing/2014/main" id="{4FAD7F36-36CB-2240-A3BE-8CC40724B1FE}"/>
+                  <a16:creationId xmlns:a16="http://schemas.microsoft.com/office/drawing/2014/main" id="{CE2A60EF-188F-7746-9456-1C344007833C}"/>
                 </a:ext>
               </a:extLst>
             </p:cNvPr>
@@ -8205,10 +8361,10 @@
         </p:sp>
         <p:sp>
           <p:nvSpPr>
-            <p:cNvPr id="100" name="Google Shape;67;p13">
+            <p:cNvPr id="81" name="Google Shape;67;p13">
               <a:extLst>
                 <a:ext uri="{FF2B5EF4-FFF2-40B4-BE49-F238E27FC236}">
-                  <a16:creationId xmlns:a16="http://schemas.microsoft.com/office/drawing/2014/main" id="{2A32F3A9-040D-4040-AF34-CE63B88CD757}"/>
+                  <a16:creationId xmlns:a16="http://schemas.microsoft.com/office/drawing/2014/main" id="{43ED80D2-EDBD-7447-8152-2615A1AE8D37}"/>
                 </a:ext>
               </a:extLst>
             </p:cNvPr>
@@ -8217,8 +8373,8 @@
           </p:nvSpPr>
           <p:spPr>
             <a:xfrm>
-              <a:off x="1964599" y="2412336"/>
-              <a:ext cx="142200" cy="152400"/>
+              <a:off x="1954646" y="2417473"/>
+              <a:ext cx="60370" cy="45719"/>
             </a:xfrm>
             <a:prstGeom prst="rect">
               <a:avLst/>
@@ -8228,7 +8384,163 @@
             </a:solidFill>
             <a:ln w="9525" cap="flat" cmpd="sng">
               <a:solidFill>
-                <a:srgbClr val="000000"/>
+                <a:srgbClr val="FFFF00"/>
+              </a:solidFill>
+              <a:prstDash val="solid"/>
+              <a:round/>
+              <a:headEnd type="none" w="sm" len="sm"/>
+              <a:tailEnd type="none" w="sm" len="sm"/>
+            </a:ln>
+          </p:spPr>
+          <p:txBody>
+            <a:bodyPr spcFirstLastPara="1" wrap="square" lIns="91425" tIns="91425" rIns="91425" bIns="91425" anchor="ctr" anchorCtr="0">
+              <a:noAutofit/>
+            </a:bodyPr>
+            <a:lstStyle/>
+            <a:p>
+              <a:pPr marL="0" lvl="0" indent="0" algn="l" rtl="0">
+                <a:spcBef>
+                  <a:spcPts val="0"/>
+                </a:spcBef>
+                <a:spcAft>
+                  <a:spcPts val="0"/>
+                </a:spcAft>
+                <a:buNone/>
+              </a:pPr>
+              <a:endParaRPr dirty="0"/>
+            </a:p>
+          </p:txBody>
+        </p:sp>
+        <p:sp>
+          <p:nvSpPr>
+            <p:cNvPr id="83" name="Google Shape;67;p13">
+              <a:extLst>
+                <a:ext uri="{FF2B5EF4-FFF2-40B4-BE49-F238E27FC236}">
+                  <a16:creationId xmlns:a16="http://schemas.microsoft.com/office/drawing/2014/main" id="{1EB87341-6054-994C-8276-0D7AA97ECCCD}"/>
+                </a:ext>
+              </a:extLst>
+            </p:cNvPr>
+            <p:cNvSpPr/>
+            <p:nvPr/>
+          </p:nvSpPr>
+          <p:spPr>
+            <a:xfrm>
+              <a:off x="2052587" y="2417473"/>
+              <a:ext cx="60370" cy="45719"/>
+            </a:xfrm>
+            <a:prstGeom prst="rect">
+              <a:avLst/>
+            </a:prstGeom>
+            <a:solidFill>
+              <a:srgbClr val="FFFF00"/>
+            </a:solidFill>
+            <a:ln w="9525" cap="flat" cmpd="sng">
+              <a:solidFill>
+                <a:srgbClr val="FFFF00"/>
+              </a:solidFill>
+              <a:prstDash val="solid"/>
+              <a:round/>
+              <a:headEnd type="none" w="sm" len="sm"/>
+              <a:tailEnd type="none" w="sm" len="sm"/>
+            </a:ln>
+          </p:spPr>
+          <p:txBody>
+            <a:bodyPr spcFirstLastPara="1" wrap="square" lIns="91425" tIns="91425" rIns="91425" bIns="91425" anchor="ctr" anchorCtr="0">
+              <a:noAutofit/>
+            </a:bodyPr>
+            <a:lstStyle/>
+            <a:p>
+              <a:pPr marL="0" lvl="0" indent="0" algn="l" rtl="0">
+                <a:spcBef>
+                  <a:spcPts val="0"/>
+                </a:spcBef>
+                <a:spcAft>
+                  <a:spcPts val="0"/>
+                </a:spcAft>
+                <a:buNone/>
+              </a:pPr>
+              <a:endParaRPr dirty="0"/>
+            </a:p>
+          </p:txBody>
+        </p:sp>
+        <p:sp>
+          <p:nvSpPr>
+            <p:cNvPr id="84" name="Google Shape;67;p13">
+              <a:extLst>
+                <a:ext uri="{FF2B5EF4-FFF2-40B4-BE49-F238E27FC236}">
+                  <a16:creationId xmlns:a16="http://schemas.microsoft.com/office/drawing/2014/main" id="{D100620C-7B0E-9A4C-8D56-6B859380DA3D}"/>
+                </a:ext>
+              </a:extLst>
+            </p:cNvPr>
+            <p:cNvSpPr/>
+            <p:nvPr/>
+          </p:nvSpPr>
+          <p:spPr>
+            <a:xfrm>
+              <a:off x="1957096" y="2509289"/>
+              <a:ext cx="60370" cy="45719"/>
+            </a:xfrm>
+            <a:prstGeom prst="rect">
+              <a:avLst/>
+            </a:prstGeom>
+            <a:solidFill>
+              <a:srgbClr val="FFFF00"/>
+            </a:solidFill>
+            <a:ln w="9525" cap="flat" cmpd="sng">
+              <a:solidFill>
+                <a:srgbClr val="FFFF00"/>
+              </a:solidFill>
+              <a:prstDash val="solid"/>
+              <a:round/>
+              <a:headEnd type="none" w="sm" len="sm"/>
+              <a:tailEnd type="none" w="sm" len="sm"/>
+            </a:ln>
+          </p:spPr>
+          <p:txBody>
+            <a:bodyPr spcFirstLastPara="1" wrap="square" lIns="91425" tIns="91425" rIns="91425" bIns="91425" anchor="ctr" anchorCtr="0">
+              <a:noAutofit/>
+            </a:bodyPr>
+            <a:lstStyle/>
+            <a:p>
+              <a:pPr marL="0" lvl="0" indent="0" algn="l" rtl="0">
+                <a:spcBef>
+                  <a:spcPts val="0"/>
+                </a:spcBef>
+                <a:spcAft>
+                  <a:spcPts val="0"/>
+                </a:spcAft>
+                <a:buNone/>
+              </a:pPr>
+              <a:endParaRPr dirty="0"/>
+            </a:p>
+          </p:txBody>
+        </p:sp>
+        <p:sp>
+          <p:nvSpPr>
+            <p:cNvPr id="85" name="Google Shape;67;p13">
+              <a:extLst>
+                <a:ext uri="{FF2B5EF4-FFF2-40B4-BE49-F238E27FC236}">
+                  <a16:creationId xmlns:a16="http://schemas.microsoft.com/office/drawing/2014/main" id="{2F5F3762-FAEC-8F45-9694-6BB190C6B59D}"/>
+                </a:ext>
+              </a:extLst>
+            </p:cNvPr>
+            <p:cNvSpPr/>
+            <p:nvPr/>
+          </p:nvSpPr>
+          <p:spPr>
+            <a:xfrm>
+              <a:off x="2050775" y="2509289"/>
+              <a:ext cx="60370" cy="45719"/>
+            </a:xfrm>
+            <a:prstGeom prst="rect">
+              <a:avLst/>
+            </a:prstGeom>
+            <a:solidFill>
+              <a:srgbClr val="FFFF00"/>
+            </a:solidFill>
+            <a:ln w="9525" cap="flat" cmpd="sng">
+              <a:solidFill>
+                <a:srgbClr val="FFFF00"/>
               </a:solidFill>
               <a:prstDash val="solid"/>
               <a:round/>
@@ -8258,10 +8570,10 @@
       </p:grpSp>
       <p:grpSp>
         <p:nvGrpSpPr>
-          <p:cNvPr id="101" name="Group 100">
+          <p:cNvPr id="87" name="Group 86">
             <a:extLst>
               <a:ext uri="{FF2B5EF4-FFF2-40B4-BE49-F238E27FC236}">
-                <a16:creationId xmlns:a16="http://schemas.microsoft.com/office/drawing/2014/main" id="{6318632B-7A35-7543-A337-7F020269F52A}"/>
+                <a16:creationId xmlns:a16="http://schemas.microsoft.com/office/drawing/2014/main" id="{C570B24B-2AF0-CB4D-A2EB-DEBD1018D867}"/>
               </a:ext>
             </a:extLst>
           </p:cNvPr>
@@ -8270,7 +8582,7 @@
         </p:nvGrpSpPr>
         <p:grpSpPr>
           <a:xfrm>
-            <a:off x="2605156" y="2376105"/>
+            <a:off x="2607960" y="2365884"/>
             <a:ext cx="244561" cy="233357"/>
             <a:chOff x="1913748" y="2369411"/>
             <a:chExt cx="244561" cy="233357"/>
@@ -8278,10 +8590,10 @@
         </p:grpSpPr>
         <p:sp>
           <p:nvSpPr>
-            <p:cNvPr id="103" name="Google Shape;67;p13">
+            <p:cNvPr id="88" name="Google Shape;67;p13">
               <a:extLst>
                 <a:ext uri="{FF2B5EF4-FFF2-40B4-BE49-F238E27FC236}">
-                  <a16:creationId xmlns:a16="http://schemas.microsoft.com/office/drawing/2014/main" id="{CCAA1F95-93F4-1F42-B969-415EE72F3413}"/>
+                  <a16:creationId xmlns:a16="http://schemas.microsoft.com/office/drawing/2014/main" id="{2DB70DC7-95AC-6848-AE6B-5B6C2BCB9165}"/>
                 </a:ext>
               </a:extLst>
             </p:cNvPr>
@@ -8330,10 +8642,10 @@
         </p:sp>
         <p:sp>
           <p:nvSpPr>
-            <p:cNvPr id="104" name="Google Shape;67;p13">
+            <p:cNvPr id="89" name="Google Shape;67;p13">
               <a:extLst>
                 <a:ext uri="{FF2B5EF4-FFF2-40B4-BE49-F238E27FC236}">
-                  <a16:creationId xmlns:a16="http://schemas.microsoft.com/office/drawing/2014/main" id="{2F2E9487-ECF8-3A48-82B9-C3D3D8B47AE6}"/>
+                  <a16:creationId xmlns:a16="http://schemas.microsoft.com/office/drawing/2014/main" id="{E91E087D-60BF-E345-9CA1-A11CF52E6B16}"/>
                 </a:ext>
               </a:extLst>
             </p:cNvPr>
@@ -8342,8 +8654,8 @@
           </p:nvSpPr>
           <p:spPr>
             <a:xfrm>
-              <a:off x="1964599" y="2412336"/>
-              <a:ext cx="142200" cy="152400"/>
+              <a:off x="1954646" y="2417473"/>
+              <a:ext cx="60370" cy="45719"/>
             </a:xfrm>
             <a:prstGeom prst="rect">
               <a:avLst/>
@@ -8353,7 +8665,163 @@
             </a:solidFill>
             <a:ln w="9525" cap="flat" cmpd="sng">
               <a:solidFill>
-                <a:srgbClr val="000000"/>
+                <a:srgbClr val="FFFF00"/>
+              </a:solidFill>
+              <a:prstDash val="solid"/>
+              <a:round/>
+              <a:headEnd type="none" w="sm" len="sm"/>
+              <a:tailEnd type="none" w="sm" len="sm"/>
+            </a:ln>
+          </p:spPr>
+          <p:txBody>
+            <a:bodyPr spcFirstLastPara="1" wrap="square" lIns="91425" tIns="91425" rIns="91425" bIns="91425" anchor="ctr" anchorCtr="0">
+              <a:noAutofit/>
+            </a:bodyPr>
+            <a:lstStyle/>
+            <a:p>
+              <a:pPr marL="0" lvl="0" indent="0" algn="l" rtl="0">
+                <a:spcBef>
+                  <a:spcPts val="0"/>
+                </a:spcBef>
+                <a:spcAft>
+                  <a:spcPts val="0"/>
+                </a:spcAft>
+                <a:buNone/>
+              </a:pPr>
+              <a:endParaRPr dirty="0"/>
+            </a:p>
+          </p:txBody>
+        </p:sp>
+        <p:sp>
+          <p:nvSpPr>
+            <p:cNvPr id="90" name="Google Shape;67;p13">
+              <a:extLst>
+                <a:ext uri="{FF2B5EF4-FFF2-40B4-BE49-F238E27FC236}">
+                  <a16:creationId xmlns:a16="http://schemas.microsoft.com/office/drawing/2014/main" id="{416D6904-F7C4-DF4B-8BB7-638B6F30A2E1}"/>
+                </a:ext>
+              </a:extLst>
+            </p:cNvPr>
+            <p:cNvSpPr/>
+            <p:nvPr/>
+          </p:nvSpPr>
+          <p:spPr>
+            <a:xfrm>
+              <a:off x="2052587" y="2417473"/>
+              <a:ext cx="60370" cy="45719"/>
+            </a:xfrm>
+            <a:prstGeom prst="rect">
+              <a:avLst/>
+            </a:prstGeom>
+            <a:solidFill>
+              <a:srgbClr val="FFFF00"/>
+            </a:solidFill>
+            <a:ln w="9525" cap="flat" cmpd="sng">
+              <a:solidFill>
+                <a:srgbClr val="FFFF00"/>
+              </a:solidFill>
+              <a:prstDash val="solid"/>
+              <a:round/>
+              <a:headEnd type="none" w="sm" len="sm"/>
+              <a:tailEnd type="none" w="sm" len="sm"/>
+            </a:ln>
+          </p:spPr>
+          <p:txBody>
+            <a:bodyPr spcFirstLastPara="1" wrap="square" lIns="91425" tIns="91425" rIns="91425" bIns="91425" anchor="ctr" anchorCtr="0">
+              <a:noAutofit/>
+            </a:bodyPr>
+            <a:lstStyle/>
+            <a:p>
+              <a:pPr marL="0" lvl="0" indent="0" algn="l" rtl="0">
+                <a:spcBef>
+                  <a:spcPts val="0"/>
+                </a:spcBef>
+                <a:spcAft>
+                  <a:spcPts val="0"/>
+                </a:spcAft>
+                <a:buNone/>
+              </a:pPr>
+              <a:endParaRPr dirty="0"/>
+            </a:p>
+          </p:txBody>
+        </p:sp>
+        <p:sp>
+          <p:nvSpPr>
+            <p:cNvPr id="110" name="Google Shape;67;p13">
+              <a:extLst>
+                <a:ext uri="{FF2B5EF4-FFF2-40B4-BE49-F238E27FC236}">
+                  <a16:creationId xmlns:a16="http://schemas.microsoft.com/office/drawing/2014/main" id="{6E3EB0D5-0AA2-654F-BADE-630B5BD3E15F}"/>
+                </a:ext>
+              </a:extLst>
+            </p:cNvPr>
+            <p:cNvSpPr/>
+            <p:nvPr/>
+          </p:nvSpPr>
+          <p:spPr>
+            <a:xfrm>
+              <a:off x="1957096" y="2509289"/>
+              <a:ext cx="60370" cy="45719"/>
+            </a:xfrm>
+            <a:prstGeom prst="rect">
+              <a:avLst/>
+            </a:prstGeom>
+            <a:solidFill>
+              <a:srgbClr val="FFFF00"/>
+            </a:solidFill>
+            <a:ln w="9525" cap="flat" cmpd="sng">
+              <a:solidFill>
+                <a:srgbClr val="FFFF00"/>
+              </a:solidFill>
+              <a:prstDash val="solid"/>
+              <a:round/>
+              <a:headEnd type="none" w="sm" len="sm"/>
+              <a:tailEnd type="none" w="sm" len="sm"/>
+            </a:ln>
+          </p:spPr>
+          <p:txBody>
+            <a:bodyPr spcFirstLastPara="1" wrap="square" lIns="91425" tIns="91425" rIns="91425" bIns="91425" anchor="ctr" anchorCtr="0">
+              <a:noAutofit/>
+            </a:bodyPr>
+            <a:lstStyle/>
+            <a:p>
+              <a:pPr marL="0" lvl="0" indent="0" algn="l" rtl="0">
+                <a:spcBef>
+                  <a:spcPts val="0"/>
+                </a:spcBef>
+                <a:spcAft>
+                  <a:spcPts val="0"/>
+                </a:spcAft>
+                <a:buNone/>
+              </a:pPr>
+              <a:endParaRPr dirty="0"/>
+            </a:p>
+          </p:txBody>
+        </p:sp>
+        <p:sp>
+          <p:nvSpPr>
+            <p:cNvPr id="111" name="Google Shape;67;p13">
+              <a:extLst>
+                <a:ext uri="{FF2B5EF4-FFF2-40B4-BE49-F238E27FC236}">
+                  <a16:creationId xmlns:a16="http://schemas.microsoft.com/office/drawing/2014/main" id="{3A048707-FE83-E745-BE6E-C2FE9CBC9CD5}"/>
+                </a:ext>
+              </a:extLst>
+            </p:cNvPr>
+            <p:cNvSpPr/>
+            <p:nvPr/>
+          </p:nvSpPr>
+          <p:spPr>
+            <a:xfrm>
+              <a:off x="2050775" y="2509289"/>
+              <a:ext cx="60370" cy="45719"/>
+            </a:xfrm>
+            <a:prstGeom prst="rect">
+              <a:avLst/>
+            </a:prstGeom>
+            <a:solidFill>
+              <a:srgbClr val="FFFF00"/>
+            </a:solidFill>
+            <a:ln w="9525" cap="flat" cmpd="sng">
+              <a:solidFill>
+                <a:srgbClr val="FFFF00"/>
               </a:solidFill>
               <a:prstDash val="solid"/>
               <a:round/>
@@ -8383,10 +8851,10 @@
       </p:grpSp>
       <p:grpSp>
         <p:nvGrpSpPr>
-          <p:cNvPr id="106" name="Group 105">
+          <p:cNvPr id="112" name="Group 111">
             <a:extLst>
               <a:ext uri="{FF2B5EF4-FFF2-40B4-BE49-F238E27FC236}">
-                <a16:creationId xmlns:a16="http://schemas.microsoft.com/office/drawing/2014/main" id="{9E5DBD58-A0EB-014A-8561-61D4C4A20028}"/>
+                <a16:creationId xmlns:a16="http://schemas.microsoft.com/office/drawing/2014/main" id="{7E25D2F0-5BDE-2548-A6DB-B2075A77378E}"/>
               </a:ext>
             </a:extLst>
           </p:cNvPr>
@@ -8395,7 +8863,7 @@
         </p:nvGrpSpPr>
         <p:grpSpPr>
           <a:xfrm>
-            <a:off x="3122447" y="2372046"/>
+            <a:off x="3103929" y="2372417"/>
             <a:ext cx="244561" cy="233357"/>
             <a:chOff x="1913748" y="2369411"/>
             <a:chExt cx="244561" cy="233357"/>
@@ -8403,10 +8871,10 @@
         </p:grpSpPr>
         <p:sp>
           <p:nvSpPr>
-            <p:cNvPr id="107" name="Google Shape;67;p13">
+            <p:cNvPr id="113" name="Google Shape;67;p13">
               <a:extLst>
                 <a:ext uri="{FF2B5EF4-FFF2-40B4-BE49-F238E27FC236}">
-                  <a16:creationId xmlns:a16="http://schemas.microsoft.com/office/drawing/2014/main" id="{8FE9B2C3-5678-C846-8A20-FC8365D5336F}"/>
+                  <a16:creationId xmlns:a16="http://schemas.microsoft.com/office/drawing/2014/main" id="{9938BF3A-D2E5-C548-A250-444C4D9C4C6C}"/>
                 </a:ext>
               </a:extLst>
             </p:cNvPr>
@@ -8455,10 +8923,10 @@
         </p:sp>
         <p:sp>
           <p:nvSpPr>
-            <p:cNvPr id="109" name="Google Shape;67;p13">
+            <p:cNvPr id="114" name="Google Shape;67;p13">
               <a:extLst>
                 <a:ext uri="{FF2B5EF4-FFF2-40B4-BE49-F238E27FC236}">
-                  <a16:creationId xmlns:a16="http://schemas.microsoft.com/office/drawing/2014/main" id="{66B78CF9-9D22-2A4F-9512-871655DB0D21}"/>
+                  <a16:creationId xmlns:a16="http://schemas.microsoft.com/office/drawing/2014/main" id="{4ACA1596-3774-DF45-88C7-D1EC3A3889BC}"/>
                 </a:ext>
               </a:extLst>
             </p:cNvPr>
@@ -8467,8 +8935,8 @@
           </p:nvSpPr>
           <p:spPr>
             <a:xfrm>
-              <a:off x="1964599" y="2412336"/>
-              <a:ext cx="142200" cy="152400"/>
+              <a:off x="1954646" y="2417473"/>
+              <a:ext cx="60370" cy="45719"/>
             </a:xfrm>
             <a:prstGeom prst="rect">
               <a:avLst/>
@@ -8478,7 +8946,163 @@
             </a:solidFill>
             <a:ln w="9525" cap="flat" cmpd="sng">
               <a:solidFill>
-                <a:srgbClr val="000000"/>
+                <a:srgbClr val="FFFF00"/>
+              </a:solidFill>
+              <a:prstDash val="solid"/>
+              <a:round/>
+              <a:headEnd type="none" w="sm" len="sm"/>
+              <a:tailEnd type="none" w="sm" len="sm"/>
+            </a:ln>
+          </p:spPr>
+          <p:txBody>
+            <a:bodyPr spcFirstLastPara="1" wrap="square" lIns="91425" tIns="91425" rIns="91425" bIns="91425" anchor="ctr" anchorCtr="0">
+              <a:noAutofit/>
+            </a:bodyPr>
+            <a:lstStyle/>
+            <a:p>
+              <a:pPr marL="0" lvl="0" indent="0" algn="l" rtl="0">
+                <a:spcBef>
+                  <a:spcPts val="0"/>
+                </a:spcBef>
+                <a:spcAft>
+                  <a:spcPts val="0"/>
+                </a:spcAft>
+                <a:buNone/>
+              </a:pPr>
+              <a:endParaRPr dirty="0"/>
+            </a:p>
+          </p:txBody>
+        </p:sp>
+        <p:sp>
+          <p:nvSpPr>
+            <p:cNvPr id="117" name="Google Shape;67;p13">
+              <a:extLst>
+                <a:ext uri="{FF2B5EF4-FFF2-40B4-BE49-F238E27FC236}">
+                  <a16:creationId xmlns:a16="http://schemas.microsoft.com/office/drawing/2014/main" id="{C8D751DE-C80C-4C44-9C16-5C53338B8866}"/>
+                </a:ext>
+              </a:extLst>
+            </p:cNvPr>
+            <p:cNvSpPr/>
+            <p:nvPr/>
+          </p:nvSpPr>
+          <p:spPr>
+            <a:xfrm>
+              <a:off x="2052587" y="2417473"/>
+              <a:ext cx="60370" cy="45719"/>
+            </a:xfrm>
+            <a:prstGeom prst="rect">
+              <a:avLst/>
+            </a:prstGeom>
+            <a:solidFill>
+              <a:srgbClr val="FFFF00"/>
+            </a:solidFill>
+            <a:ln w="9525" cap="flat" cmpd="sng">
+              <a:solidFill>
+                <a:srgbClr val="FFFF00"/>
+              </a:solidFill>
+              <a:prstDash val="solid"/>
+              <a:round/>
+              <a:headEnd type="none" w="sm" len="sm"/>
+              <a:tailEnd type="none" w="sm" len="sm"/>
+            </a:ln>
+          </p:spPr>
+          <p:txBody>
+            <a:bodyPr spcFirstLastPara="1" wrap="square" lIns="91425" tIns="91425" rIns="91425" bIns="91425" anchor="ctr" anchorCtr="0">
+              <a:noAutofit/>
+            </a:bodyPr>
+            <a:lstStyle/>
+            <a:p>
+              <a:pPr marL="0" lvl="0" indent="0" algn="l" rtl="0">
+                <a:spcBef>
+                  <a:spcPts val="0"/>
+                </a:spcBef>
+                <a:spcAft>
+                  <a:spcPts val="0"/>
+                </a:spcAft>
+                <a:buNone/>
+              </a:pPr>
+              <a:endParaRPr dirty="0"/>
+            </a:p>
+          </p:txBody>
+        </p:sp>
+        <p:sp>
+          <p:nvSpPr>
+            <p:cNvPr id="118" name="Google Shape;67;p13">
+              <a:extLst>
+                <a:ext uri="{FF2B5EF4-FFF2-40B4-BE49-F238E27FC236}">
+                  <a16:creationId xmlns:a16="http://schemas.microsoft.com/office/drawing/2014/main" id="{9F03C1CD-9443-D446-96DF-45B4812051F2}"/>
+                </a:ext>
+              </a:extLst>
+            </p:cNvPr>
+            <p:cNvSpPr/>
+            <p:nvPr/>
+          </p:nvSpPr>
+          <p:spPr>
+            <a:xfrm>
+              <a:off x="1957096" y="2509289"/>
+              <a:ext cx="60370" cy="45719"/>
+            </a:xfrm>
+            <a:prstGeom prst="rect">
+              <a:avLst/>
+            </a:prstGeom>
+            <a:solidFill>
+              <a:srgbClr val="FFFF00"/>
+            </a:solidFill>
+            <a:ln w="9525" cap="flat" cmpd="sng">
+              <a:solidFill>
+                <a:srgbClr val="FFFF00"/>
+              </a:solidFill>
+              <a:prstDash val="solid"/>
+              <a:round/>
+              <a:headEnd type="none" w="sm" len="sm"/>
+              <a:tailEnd type="none" w="sm" len="sm"/>
+            </a:ln>
+          </p:spPr>
+          <p:txBody>
+            <a:bodyPr spcFirstLastPara="1" wrap="square" lIns="91425" tIns="91425" rIns="91425" bIns="91425" anchor="ctr" anchorCtr="0">
+              <a:noAutofit/>
+            </a:bodyPr>
+            <a:lstStyle/>
+            <a:p>
+              <a:pPr marL="0" lvl="0" indent="0" algn="l" rtl="0">
+                <a:spcBef>
+                  <a:spcPts val="0"/>
+                </a:spcBef>
+                <a:spcAft>
+                  <a:spcPts val="0"/>
+                </a:spcAft>
+                <a:buNone/>
+              </a:pPr>
+              <a:endParaRPr dirty="0"/>
+            </a:p>
+          </p:txBody>
+        </p:sp>
+        <p:sp>
+          <p:nvSpPr>
+            <p:cNvPr id="120" name="Google Shape;67;p13">
+              <a:extLst>
+                <a:ext uri="{FF2B5EF4-FFF2-40B4-BE49-F238E27FC236}">
+                  <a16:creationId xmlns:a16="http://schemas.microsoft.com/office/drawing/2014/main" id="{3D11E7FE-6A04-2649-AF38-F31DE76ED644}"/>
+                </a:ext>
+              </a:extLst>
+            </p:cNvPr>
+            <p:cNvSpPr/>
+            <p:nvPr/>
+          </p:nvSpPr>
+          <p:spPr>
+            <a:xfrm>
+              <a:off x="2050775" y="2509289"/>
+              <a:ext cx="60370" cy="45719"/>
+            </a:xfrm>
+            <a:prstGeom prst="rect">
+              <a:avLst/>
+            </a:prstGeom>
+            <a:solidFill>
+              <a:srgbClr val="FFFF00"/>
+            </a:solidFill>
+            <a:ln w="9525" cap="flat" cmpd="sng">
+              <a:solidFill>
+                <a:srgbClr val="FFFF00"/>
               </a:solidFill>
               <a:prstDash val="solid"/>
               <a:round/>
@@ -10472,347 +11096,368 @@
           </p:txBody>
         </p:sp>
       </p:grpSp>
-      <p:sp>
-        <p:nvSpPr>
-          <p:cNvPr id="113" name="Google Shape;57;p13">
+      <p:grpSp>
+        <p:nvGrpSpPr>
+          <p:cNvPr id="225" name="Group 224">
             <a:extLst>
               <a:ext uri="{FF2B5EF4-FFF2-40B4-BE49-F238E27FC236}">
-                <a16:creationId xmlns:a16="http://schemas.microsoft.com/office/drawing/2014/main" id="{E02889F4-261E-814F-8B75-DB0CE606C490}"/>
+                <a16:creationId xmlns:a16="http://schemas.microsoft.com/office/drawing/2014/main" id="{7B1D8ED2-B85A-0442-A12E-418BEE82C18A}"/>
               </a:ext>
             </a:extLst>
           </p:cNvPr>
-          <p:cNvSpPr/>
+          <p:cNvGrpSpPr/>
           <p:nvPr/>
-        </p:nvSpPr>
-        <p:spPr>
+        </p:nvGrpSpPr>
+        <p:grpSpPr>
           <a:xfrm>
-            <a:off x="5046895" y="1651561"/>
-            <a:ext cx="1350900" cy="267216"/>
+            <a:off x="5046895" y="1574662"/>
+            <a:ext cx="1350900" cy="344115"/>
+            <a:chOff x="5046895" y="1574662"/>
+            <a:chExt cx="1350900" cy="344115"/>
           </a:xfrm>
-          <a:prstGeom prst="roundRect">
-            <a:avLst>
-              <a:gd name="adj" fmla="val 6888"/>
-            </a:avLst>
-          </a:prstGeom>
-          <a:solidFill>
-            <a:srgbClr val="F6C9FE"/>
-          </a:solidFill>
-          <a:ln w="9525" cap="flat" cmpd="sng">
+        </p:grpSpPr>
+        <p:sp>
+          <p:nvSpPr>
+            <p:cNvPr id="113" name="Google Shape;57;p13">
+              <a:extLst>
+                <a:ext uri="{FF2B5EF4-FFF2-40B4-BE49-F238E27FC236}">
+                  <a16:creationId xmlns:a16="http://schemas.microsoft.com/office/drawing/2014/main" id="{E02889F4-261E-814F-8B75-DB0CE606C490}"/>
+                </a:ext>
+              </a:extLst>
+            </p:cNvPr>
+            <p:cNvSpPr/>
+            <p:nvPr/>
+          </p:nvSpPr>
+          <p:spPr>
+            <a:xfrm>
+              <a:off x="5046895" y="1651561"/>
+              <a:ext cx="1350900" cy="267216"/>
+            </a:xfrm>
+            <a:prstGeom prst="roundRect">
+              <a:avLst>
+                <a:gd name="adj" fmla="val 6888"/>
+              </a:avLst>
+            </a:prstGeom>
             <a:solidFill>
-              <a:srgbClr val="000000"/>
+              <a:srgbClr val="F6C9FE"/>
             </a:solidFill>
-            <a:prstDash val="dash"/>
-            <a:round/>
-            <a:headEnd type="none" w="sm" len="sm"/>
-            <a:tailEnd type="none" w="sm" len="sm"/>
-          </a:ln>
-        </p:spPr>
-        <p:txBody>
-          <a:bodyPr spcFirstLastPara="1" wrap="square" lIns="91425" tIns="91425" rIns="91425" bIns="91425" anchor="ctr" anchorCtr="0">
-            <a:noAutofit/>
-          </a:bodyPr>
-          <a:lstStyle/>
-          <a:p>
-            <a:endParaRPr dirty="0"/>
-          </a:p>
-        </p:txBody>
-      </p:sp>
-      <p:sp>
-        <p:nvSpPr>
-          <p:cNvPr id="114" name="Google Shape;61;p13">
-            <a:extLst>
-              <a:ext uri="{FF2B5EF4-FFF2-40B4-BE49-F238E27FC236}">
-                <a16:creationId xmlns:a16="http://schemas.microsoft.com/office/drawing/2014/main" id="{B1F0B0CB-7DA0-CF44-8279-BCA98988E7B9}"/>
-              </a:ext>
-            </a:extLst>
-          </p:cNvPr>
-          <p:cNvSpPr/>
-          <p:nvPr/>
-        </p:nvSpPr>
-        <p:spPr>
-          <a:xfrm>
-            <a:off x="5073135" y="1704327"/>
-            <a:ext cx="142200" cy="152400"/>
-          </a:xfrm>
-          <a:prstGeom prst="rect">
-            <a:avLst/>
-          </a:prstGeom>
-          <a:solidFill>
-            <a:srgbClr val="FFA5FE"/>
-          </a:solidFill>
-          <a:ln w="9525" cap="flat" cmpd="sng">
+            <a:ln w="9525" cap="flat" cmpd="sng">
+              <a:solidFill>
+                <a:srgbClr val="000000"/>
+              </a:solidFill>
+              <a:prstDash val="dash"/>
+              <a:round/>
+              <a:headEnd type="none" w="sm" len="sm"/>
+              <a:tailEnd type="none" w="sm" len="sm"/>
+            </a:ln>
+          </p:spPr>
+          <p:txBody>
+            <a:bodyPr spcFirstLastPara="1" wrap="square" lIns="91425" tIns="91425" rIns="91425" bIns="91425" anchor="ctr" anchorCtr="0">
+              <a:noAutofit/>
+            </a:bodyPr>
+            <a:lstStyle/>
+            <a:p>
+              <a:endParaRPr dirty="0"/>
+            </a:p>
+          </p:txBody>
+        </p:sp>
+        <p:sp>
+          <p:nvSpPr>
+            <p:cNvPr id="114" name="Google Shape;61;p13">
+              <a:extLst>
+                <a:ext uri="{FF2B5EF4-FFF2-40B4-BE49-F238E27FC236}">
+                  <a16:creationId xmlns:a16="http://schemas.microsoft.com/office/drawing/2014/main" id="{B1F0B0CB-7DA0-CF44-8279-BCA98988E7B9}"/>
+                </a:ext>
+              </a:extLst>
+            </p:cNvPr>
+            <p:cNvSpPr/>
+            <p:nvPr/>
+          </p:nvSpPr>
+          <p:spPr>
+            <a:xfrm>
+              <a:off x="5073135" y="1704327"/>
+              <a:ext cx="142200" cy="152400"/>
+            </a:xfrm>
+            <a:prstGeom prst="rect">
+              <a:avLst/>
+            </a:prstGeom>
             <a:solidFill>
-              <a:srgbClr val="000000"/>
+              <a:srgbClr val="FFA5FE"/>
             </a:solidFill>
-            <a:prstDash val="solid"/>
-            <a:round/>
-            <a:headEnd type="none" w="sm" len="sm"/>
-            <a:tailEnd type="none" w="sm" len="sm"/>
-          </a:ln>
-        </p:spPr>
-        <p:txBody>
-          <a:bodyPr spcFirstLastPara="1" wrap="square" lIns="91425" tIns="91425" rIns="91425" bIns="91425" anchor="ctr" anchorCtr="0">
-            <a:noAutofit/>
-          </a:bodyPr>
-          <a:lstStyle/>
-          <a:p>
-            <a:pPr marL="0" lvl="0" indent="0" algn="l" rtl="0">
-              <a:spcBef>
-                <a:spcPts val="0"/>
-              </a:spcBef>
-              <a:spcAft>
-                <a:spcPts val="0"/>
-              </a:spcAft>
-              <a:buNone/>
-            </a:pPr>
-            <a:endParaRPr dirty="0"/>
-          </a:p>
-        </p:txBody>
-      </p:sp>
-      <p:sp>
-        <p:nvSpPr>
-          <p:cNvPr id="115" name="Google Shape;100;p13">
-            <a:extLst>
-              <a:ext uri="{FF2B5EF4-FFF2-40B4-BE49-F238E27FC236}">
-                <a16:creationId xmlns:a16="http://schemas.microsoft.com/office/drawing/2014/main" id="{F1798E05-980D-A64D-8959-8FF62E7EA76B}"/>
-              </a:ext>
-            </a:extLst>
-          </p:cNvPr>
-          <p:cNvSpPr/>
-          <p:nvPr/>
-        </p:nvSpPr>
-        <p:spPr>
-          <a:xfrm>
-            <a:off x="5301735" y="1704327"/>
-            <a:ext cx="142200" cy="152400"/>
-          </a:xfrm>
-          <a:prstGeom prst="rect">
-            <a:avLst/>
-          </a:prstGeom>
-          <a:solidFill>
-            <a:srgbClr val="FFA5FE"/>
-          </a:solidFill>
-          <a:ln w="9525" cap="flat" cmpd="sng">
+            <a:ln w="9525" cap="flat" cmpd="sng">
+              <a:solidFill>
+                <a:srgbClr val="000000"/>
+              </a:solidFill>
+              <a:prstDash val="solid"/>
+              <a:round/>
+              <a:headEnd type="none" w="sm" len="sm"/>
+              <a:tailEnd type="none" w="sm" len="sm"/>
+            </a:ln>
+          </p:spPr>
+          <p:txBody>
+            <a:bodyPr spcFirstLastPara="1" wrap="square" lIns="91425" tIns="91425" rIns="91425" bIns="91425" anchor="ctr" anchorCtr="0">
+              <a:noAutofit/>
+            </a:bodyPr>
+            <a:lstStyle/>
+            <a:p>
+              <a:pPr marL="0" lvl="0" indent="0" algn="l" rtl="0">
+                <a:spcBef>
+                  <a:spcPts val="0"/>
+                </a:spcBef>
+                <a:spcAft>
+                  <a:spcPts val="0"/>
+                </a:spcAft>
+                <a:buNone/>
+              </a:pPr>
+              <a:endParaRPr dirty="0"/>
+            </a:p>
+          </p:txBody>
+        </p:sp>
+        <p:sp>
+          <p:nvSpPr>
+            <p:cNvPr id="115" name="Google Shape;100;p13">
+              <a:extLst>
+                <a:ext uri="{FF2B5EF4-FFF2-40B4-BE49-F238E27FC236}">
+                  <a16:creationId xmlns:a16="http://schemas.microsoft.com/office/drawing/2014/main" id="{F1798E05-980D-A64D-8959-8FF62E7EA76B}"/>
+                </a:ext>
+              </a:extLst>
+            </p:cNvPr>
+            <p:cNvSpPr/>
+            <p:nvPr/>
+          </p:nvSpPr>
+          <p:spPr>
+            <a:xfrm>
+              <a:off x="5301735" y="1704327"/>
+              <a:ext cx="142200" cy="152400"/>
+            </a:xfrm>
+            <a:prstGeom prst="rect">
+              <a:avLst/>
+            </a:prstGeom>
             <a:solidFill>
-              <a:srgbClr val="000000"/>
+              <a:srgbClr val="FFA5FE"/>
             </a:solidFill>
-            <a:prstDash val="solid"/>
-            <a:round/>
-            <a:headEnd type="none" w="sm" len="sm"/>
-            <a:tailEnd type="none" w="sm" len="sm"/>
-          </a:ln>
-        </p:spPr>
-        <p:txBody>
-          <a:bodyPr spcFirstLastPara="1" wrap="square" lIns="91425" tIns="91425" rIns="91425" bIns="91425" anchor="ctr" anchorCtr="0">
-            <a:noAutofit/>
-          </a:bodyPr>
-          <a:lstStyle/>
-          <a:p>
-            <a:pPr marL="0" lvl="0" indent="0" algn="l" rtl="0">
-              <a:spcBef>
-                <a:spcPts val="0"/>
-              </a:spcBef>
-              <a:spcAft>
-                <a:spcPts val="0"/>
-              </a:spcAft>
-              <a:buNone/>
-            </a:pPr>
-            <a:endParaRPr dirty="0"/>
-          </a:p>
-        </p:txBody>
-      </p:sp>
-      <p:sp>
-        <p:nvSpPr>
-          <p:cNvPr id="116" name="Google Shape;114;p13">
-            <a:extLst>
-              <a:ext uri="{FF2B5EF4-FFF2-40B4-BE49-F238E27FC236}">
-                <a16:creationId xmlns:a16="http://schemas.microsoft.com/office/drawing/2014/main" id="{F07B45CE-3501-3746-8A8A-7748B52AC2D8}"/>
-              </a:ext>
-            </a:extLst>
-          </p:cNvPr>
-          <p:cNvSpPr/>
-          <p:nvPr/>
-        </p:nvSpPr>
-        <p:spPr>
-          <a:xfrm>
-            <a:off x="5530335" y="1704327"/>
-            <a:ext cx="142200" cy="152400"/>
-          </a:xfrm>
-          <a:prstGeom prst="rect">
-            <a:avLst/>
-          </a:prstGeom>
-          <a:solidFill>
-            <a:srgbClr val="FFA5FE"/>
-          </a:solidFill>
-          <a:ln w="9525" cap="flat" cmpd="sng">
+            <a:ln w="9525" cap="flat" cmpd="sng">
+              <a:solidFill>
+                <a:srgbClr val="000000"/>
+              </a:solidFill>
+              <a:prstDash val="solid"/>
+              <a:round/>
+              <a:headEnd type="none" w="sm" len="sm"/>
+              <a:tailEnd type="none" w="sm" len="sm"/>
+            </a:ln>
+          </p:spPr>
+          <p:txBody>
+            <a:bodyPr spcFirstLastPara="1" wrap="square" lIns="91425" tIns="91425" rIns="91425" bIns="91425" anchor="ctr" anchorCtr="0">
+              <a:noAutofit/>
+            </a:bodyPr>
+            <a:lstStyle/>
+            <a:p>
+              <a:pPr marL="0" lvl="0" indent="0" algn="l" rtl="0">
+                <a:spcBef>
+                  <a:spcPts val="0"/>
+                </a:spcBef>
+                <a:spcAft>
+                  <a:spcPts val="0"/>
+                </a:spcAft>
+                <a:buNone/>
+              </a:pPr>
+              <a:endParaRPr dirty="0"/>
+            </a:p>
+          </p:txBody>
+        </p:sp>
+        <p:sp>
+          <p:nvSpPr>
+            <p:cNvPr id="116" name="Google Shape;114;p13">
+              <a:extLst>
+                <a:ext uri="{FF2B5EF4-FFF2-40B4-BE49-F238E27FC236}">
+                  <a16:creationId xmlns:a16="http://schemas.microsoft.com/office/drawing/2014/main" id="{F07B45CE-3501-3746-8A8A-7748B52AC2D8}"/>
+                </a:ext>
+              </a:extLst>
+            </p:cNvPr>
+            <p:cNvSpPr/>
+            <p:nvPr/>
+          </p:nvSpPr>
+          <p:spPr>
+            <a:xfrm>
+              <a:off x="5530335" y="1704327"/>
+              <a:ext cx="142200" cy="152400"/>
+            </a:xfrm>
+            <a:prstGeom prst="rect">
+              <a:avLst/>
+            </a:prstGeom>
             <a:solidFill>
-              <a:srgbClr val="000000"/>
+              <a:srgbClr val="FFA5FE"/>
             </a:solidFill>
-            <a:prstDash val="solid"/>
-            <a:round/>
-            <a:headEnd type="none" w="sm" len="sm"/>
-            <a:tailEnd type="none" w="sm" len="sm"/>
-          </a:ln>
-        </p:spPr>
-        <p:txBody>
-          <a:bodyPr spcFirstLastPara="1" wrap="square" lIns="91425" tIns="91425" rIns="91425" bIns="91425" anchor="ctr" anchorCtr="0">
-            <a:noAutofit/>
-          </a:bodyPr>
-          <a:lstStyle/>
-          <a:p>
-            <a:pPr marL="0" lvl="0" indent="0" algn="l" rtl="0">
-              <a:spcBef>
-                <a:spcPts val="0"/>
-              </a:spcBef>
-              <a:spcAft>
-                <a:spcPts val="0"/>
-              </a:spcAft>
-              <a:buNone/>
-            </a:pPr>
-            <a:endParaRPr dirty="0"/>
-          </a:p>
-        </p:txBody>
-      </p:sp>
-      <p:sp>
-        <p:nvSpPr>
-          <p:cNvPr id="117" name="Google Shape;128;p13">
-            <a:extLst>
-              <a:ext uri="{FF2B5EF4-FFF2-40B4-BE49-F238E27FC236}">
-                <a16:creationId xmlns:a16="http://schemas.microsoft.com/office/drawing/2014/main" id="{8BE3A3C3-5FDA-3A44-9BD1-47A72B1B6D6D}"/>
-              </a:ext>
-            </a:extLst>
-          </p:cNvPr>
-          <p:cNvSpPr/>
-          <p:nvPr/>
-        </p:nvSpPr>
-        <p:spPr>
-          <a:xfrm>
-            <a:off x="5758935" y="1704327"/>
-            <a:ext cx="142200" cy="152400"/>
-          </a:xfrm>
-          <a:prstGeom prst="rect">
-            <a:avLst/>
-          </a:prstGeom>
-          <a:solidFill>
-            <a:srgbClr val="FFA5FE"/>
-          </a:solidFill>
-          <a:ln w="9525" cap="flat" cmpd="sng">
+            <a:ln w="9525" cap="flat" cmpd="sng">
+              <a:solidFill>
+                <a:srgbClr val="000000"/>
+              </a:solidFill>
+              <a:prstDash val="solid"/>
+              <a:round/>
+              <a:headEnd type="none" w="sm" len="sm"/>
+              <a:tailEnd type="none" w="sm" len="sm"/>
+            </a:ln>
+          </p:spPr>
+          <p:txBody>
+            <a:bodyPr spcFirstLastPara="1" wrap="square" lIns="91425" tIns="91425" rIns="91425" bIns="91425" anchor="ctr" anchorCtr="0">
+              <a:noAutofit/>
+            </a:bodyPr>
+            <a:lstStyle/>
+            <a:p>
+              <a:pPr marL="0" lvl="0" indent="0" algn="l" rtl="0">
+                <a:spcBef>
+                  <a:spcPts val="0"/>
+                </a:spcBef>
+                <a:spcAft>
+                  <a:spcPts val="0"/>
+                </a:spcAft>
+                <a:buNone/>
+              </a:pPr>
+              <a:endParaRPr dirty="0"/>
+            </a:p>
+          </p:txBody>
+        </p:sp>
+        <p:sp>
+          <p:nvSpPr>
+            <p:cNvPr id="117" name="Google Shape;128;p13">
+              <a:extLst>
+                <a:ext uri="{FF2B5EF4-FFF2-40B4-BE49-F238E27FC236}">
+                  <a16:creationId xmlns:a16="http://schemas.microsoft.com/office/drawing/2014/main" id="{8BE3A3C3-5FDA-3A44-9BD1-47A72B1B6D6D}"/>
+                </a:ext>
+              </a:extLst>
+            </p:cNvPr>
+            <p:cNvSpPr/>
+            <p:nvPr/>
+          </p:nvSpPr>
+          <p:spPr>
+            <a:xfrm>
+              <a:off x="5758935" y="1704327"/>
+              <a:ext cx="142200" cy="152400"/>
+            </a:xfrm>
+            <a:prstGeom prst="rect">
+              <a:avLst/>
+            </a:prstGeom>
             <a:solidFill>
-              <a:srgbClr val="000000"/>
+              <a:srgbClr val="FFA5FE"/>
             </a:solidFill>
-            <a:prstDash val="solid"/>
-            <a:round/>
-            <a:headEnd type="none" w="sm" len="sm"/>
-            <a:tailEnd type="none" w="sm" len="sm"/>
-          </a:ln>
-        </p:spPr>
-        <p:txBody>
-          <a:bodyPr spcFirstLastPara="1" wrap="square" lIns="91425" tIns="91425" rIns="91425" bIns="91425" anchor="ctr" anchorCtr="0">
-            <a:noAutofit/>
-          </a:bodyPr>
-          <a:lstStyle/>
-          <a:p>
-            <a:pPr marL="0" lvl="0" indent="0" algn="l" rtl="0">
-              <a:spcBef>
-                <a:spcPts val="0"/>
-              </a:spcBef>
-              <a:spcAft>
-                <a:spcPts val="0"/>
-              </a:spcAft>
-              <a:buNone/>
-            </a:pPr>
-            <a:endParaRPr dirty="0"/>
-          </a:p>
-        </p:txBody>
-      </p:sp>
-      <p:sp>
-        <p:nvSpPr>
-          <p:cNvPr id="118" name="Google Shape;142;p13">
-            <a:extLst>
-              <a:ext uri="{FF2B5EF4-FFF2-40B4-BE49-F238E27FC236}">
-                <a16:creationId xmlns:a16="http://schemas.microsoft.com/office/drawing/2014/main" id="{8CC65588-CDE8-A442-ADCF-74EDFD9F2E5C}"/>
-              </a:ext>
-            </a:extLst>
-          </p:cNvPr>
-          <p:cNvSpPr/>
-          <p:nvPr/>
-        </p:nvSpPr>
-        <p:spPr>
-          <a:xfrm>
-            <a:off x="6216135" y="1704327"/>
-            <a:ext cx="142200" cy="152400"/>
-          </a:xfrm>
-          <a:prstGeom prst="rect">
-            <a:avLst/>
-          </a:prstGeom>
-          <a:solidFill>
-            <a:srgbClr val="FFA5FE"/>
-          </a:solidFill>
-          <a:ln w="9525" cap="flat" cmpd="sng">
+            <a:ln w="9525" cap="flat" cmpd="sng">
+              <a:solidFill>
+                <a:srgbClr val="000000"/>
+              </a:solidFill>
+              <a:prstDash val="solid"/>
+              <a:round/>
+              <a:headEnd type="none" w="sm" len="sm"/>
+              <a:tailEnd type="none" w="sm" len="sm"/>
+            </a:ln>
+          </p:spPr>
+          <p:txBody>
+            <a:bodyPr spcFirstLastPara="1" wrap="square" lIns="91425" tIns="91425" rIns="91425" bIns="91425" anchor="ctr" anchorCtr="0">
+              <a:noAutofit/>
+            </a:bodyPr>
+            <a:lstStyle/>
+            <a:p>
+              <a:pPr marL="0" lvl="0" indent="0" algn="l" rtl="0">
+                <a:spcBef>
+                  <a:spcPts val="0"/>
+                </a:spcBef>
+                <a:spcAft>
+                  <a:spcPts val="0"/>
+                </a:spcAft>
+                <a:buNone/>
+              </a:pPr>
+              <a:endParaRPr dirty="0"/>
+            </a:p>
+          </p:txBody>
+        </p:sp>
+        <p:sp>
+          <p:nvSpPr>
+            <p:cNvPr id="118" name="Google Shape;142;p13">
+              <a:extLst>
+                <a:ext uri="{FF2B5EF4-FFF2-40B4-BE49-F238E27FC236}">
+                  <a16:creationId xmlns:a16="http://schemas.microsoft.com/office/drawing/2014/main" id="{8CC65588-CDE8-A442-ADCF-74EDFD9F2E5C}"/>
+                </a:ext>
+              </a:extLst>
+            </p:cNvPr>
+            <p:cNvSpPr/>
+            <p:nvPr/>
+          </p:nvSpPr>
+          <p:spPr>
+            <a:xfrm>
+              <a:off x="6216135" y="1704327"/>
+              <a:ext cx="142200" cy="152400"/>
+            </a:xfrm>
+            <a:prstGeom prst="rect">
+              <a:avLst/>
+            </a:prstGeom>
             <a:solidFill>
-              <a:srgbClr val="000000"/>
+              <a:srgbClr val="FFA5FE"/>
             </a:solidFill>
-            <a:prstDash val="solid"/>
-            <a:round/>
-            <a:headEnd type="none" w="sm" len="sm"/>
-            <a:tailEnd type="none" w="sm" len="sm"/>
-          </a:ln>
-        </p:spPr>
-        <p:txBody>
-          <a:bodyPr spcFirstLastPara="1" wrap="square" lIns="91425" tIns="91425" rIns="91425" bIns="91425" anchor="ctr" anchorCtr="0">
-            <a:noAutofit/>
-          </a:bodyPr>
-          <a:lstStyle/>
-          <a:p>
-            <a:pPr marL="0" lvl="0" indent="0" algn="l" rtl="0">
-              <a:spcBef>
-                <a:spcPts val="0"/>
-              </a:spcBef>
-              <a:spcAft>
-                <a:spcPts val="0"/>
-              </a:spcAft>
-              <a:buNone/>
-            </a:pPr>
-            <a:endParaRPr dirty="0"/>
-          </a:p>
-        </p:txBody>
-      </p:sp>
-      <p:sp>
-        <p:nvSpPr>
-          <p:cNvPr id="119" name="TextBox 118">
-            <a:extLst>
-              <a:ext uri="{FF2B5EF4-FFF2-40B4-BE49-F238E27FC236}">
-                <a16:creationId xmlns:a16="http://schemas.microsoft.com/office/drawing/2014/main" id="{1500D339-9444-994A-880B-74A0B71DF35D}"/>
-              </a:ext>
-            </a:extLst>
-          </p:cNvPr>
-          <p:cNvSpPr txBox="1"/>
-          <p:nvPr/>
-        </p:nvSpPr>
-        <p:spPr>
-          <a:xfrm>
-            <a:off x="5879133" y="1574662"/>
-            <a:ext cx="333155" cy="307777"/>
-          </a:xfrm>
-          <a:prstGeom prst="rect">
-            <a:avLst/>
-          </a:prstGeom>
-          <a:noFill/>
-        </p:spPr>
-        <p:txBody>
-          <a:bodyPr wrap="square" rtlCol="0">
-            <a:spAutoFit/>
-          </a:bodyPr>
-          <a:lstStyle/>
-          <a:p>
-            <a:r>
-              <a:rPr lang="en-US" b="1"/>
-              <a:t>…</a:t>
-            </a:r>
-            <a:endParaRPr lang="en-US" b="1" dirty="0"/>
-          </a:p>
-        </p:txBody>
-      </p:sp>
+            <a:ln w="9525" cap="flat" cmpd="sng">
+              <a:solidFill>
+                <a:srgbClr val="000000"/>
+              </a:solidFill>
+              <a:prstDash val="solid"/>
+              <a:round/>
+              <a:headEnd type="none" w="sm" len="sm"/>
+              <a:tailEnd type="none" w="sm" len="sm"/>
+            </a:ln>
+          </p:spPr>
+          <p:txBody>
+            <a:bodyPr spcFirstLastPara="1" wrap="square" lIns="91425" tIns="91425" rIns="91425" bIns="91425" anchor="ctr" anchorCtr="0">
+              <a:noAutofit/>
+            </a:bodyPr>
+            <a:lstStyle/>
+            <a:p>
+              <a:pPr marL="0" lvl="0" indent="0" algn="l" rtl="0">
+                <a:spcBef>
+                  <a:spcPts val="0"/>
+                </a:spcBef>
+                <a:spcAft>
+                  <a:spcPts val="0"/>
+                </a:spcAft>
+                <a:buNone/>
+              </a:pPr>
+              <a:endParaRPr dirty="0"/>
+            </a:p>
+          </p:txBody>
+        </p:sp>
+        <p:sp>
+          <p:nvSpPr>
+            <p:cNvPr id="119" name="TextBox 118">
+              <a:extLst>
+                <a:ext uri="{FF2B5EF4-FFF2-40B4-BE49-F238E27FC236}">
+                  <a16:creationId xmlns:a16="http://schemas.microsoft.com/office/drawing/2014/main" id="{1500D339-9444-994A-880B-74A0B71DF35D}"/>
+                </a:ext>
+              </a:extLst>
+            </p:cNvPr>
+            <p:cNvSpPr txBox="1"/>
+            <p:nvPr/>
+          </p:nvSpPr>
+          <p:spPr>
+            <a:xfrm>
+              <a:off x="5879133" y="1574662"/>
+              <a:ext cx="333155" cy="307777"/>
+            </a:xfrm>
+            <a:prstGeom prst="rect">
+              <a:avLst/>
+            </a:prstGeom>
+            <a:noFill/>
+          </p:spPr>
+          <p:txBody>
+            <a:bodyPr wrap="square" rtlCol="0">
+              <a:spAutoFit/>
+            </a:bodyPr>
+            <a:lstStyle/>
+            <a:p>
+              <a:r>
+                <a:rPr lang="en-US" b="1"/>
+                <a:t>…</a:t>
+              </a:r>
+              <a:endParaRPr lang="en-US" b="1" dirty="0"/>
+            </a:p>
+          </p:txBody>
+        </p:sp>
+      </p:grpSp>
       <p:sp>
         <p:nvSpPr>
           <p:cNvPr id="120" name="Google Shape;161;p13">
@@ -11873,10 +12518,7 @@
             </a:avLst>
           </a:prstGeom>
           <a:solidFill>
-            <a:schemeClr val="accent1">
-              <a:lumMod val="20000"/>
-              <a:lumOff val="80000"/>
-            </a:schemeClr>
+            <a:srgbClr val="F6C9FE"/>
           </a:solidFill>
           <a:ln w="9525" cap="flat" cmpd="sng">
             <a:solidFill>
@@ -11894,12 +12536,7 @@
           </a:bodyPr>
           <a:lstStyle/>
           <a:p>
-            <a:pPr algn="ctr"/>
-            <a:endParaRPr lang="en-IN" sz="700" b="1" dirty="0">
-              <a:solidFill>
-                <a:schemeClr val="tx1"/>
-              </a:solidFill>
-            </a:endParaRPr>
+            <a:endParaRPr lang="en-IN" dirty="0"/>
           </a:p>
         </p:txBody>
       </p:sp>
@@ -11972,10 +12609,7 @@
             </a:avLst>
           </a:prstGeom>
           <a:solidFill>
-            <a:schemeClr val="accent1">
-              <a:lumMod val="20000"/>
-              <a:lumOff val="80000"/>
-            </a:schemeClr>
+            <a:srgbClr val="F6C9FE"/>
           </a:solidFill>
           <a:ln w="9525" cap="flat" cmpd="sng">
             <a:solidFill>
@@ -11993,12 +12627,7 @@
           </a:bodyPr>
           <a:lstStyle/>
           <a:p>
-            <a:pPr algn="ctr"/>
-            <a:endParaRPr lang="en-IN" sz="700" b="1" dirty="0">
-              <a:solidFill>
-                <a:schemeClr val="tx1"/>
-              </a:solidFill>
-            </a:endParaRPr>
+            <a:endParaRPr lang="en-IN" dirty="0"/>
           </a:p>
         </p:txBody>
       </p:sp>

--- a/results/CM - Diagram.pptx
+++ b/results/CM - Diagram.pptx
@@ -15,10 +15,14 @@
   <p:notesSz cx="6858000" cy="9144000"/>
   <p:embeddedFontLst>
     <p:embeddedFont>
+      <p:font typeface="Cambria Math" panose="02040503050406030204" pitchFamily="18" charset="0"/>
+      <p:regular r:id="rId5"/>
+    </p:embeddedFont>
+    <p:embeddedFont>
       <p:font typeface="Libre Baskerville" panose="02000000000000000000" pitchFamily="2" charset="0"/>
-      <p:regular r:id="rId5"/>
-      <p:bold r:id="rId6"/>
-      <p:italic r:id="rId7"/>
+      <p:regular r:id="rId6"/>
+      <p:bold r:id="rId7"/>
+      <p:italic r:id="rId8"/>
     </p:embeddedFont>
   </p:embeddedFontLst>
   <p:defaultTextStyle>
@@ -9174,21 +9178,17 @@
         </p:nvSpPr>
         <p:spPr>
           <a:xfrm>
-            <a:off x="60279" y="242694"/>
-            <a:ext cx="1350900" cy="281417"/>
+            <a:off x="60279" y="108874"/>
+            <a:ext cx="1350900" cy="561850"/>
           </a:xfrm>
           <a:prstGeom prst="roundRect">
             <a:avLst>
               <a:gd name="adj" fmla="val 6077"/>
             </a:avLst>
           </a:prstGeom>
-          <a:solidFill>
-            <a:srgbClr val="FFFFFF"/>
-          </a:solidFill>
-          <a:ln w="9525" cap="flat" cmpd="sng">
-            <a:solidFill>
-              <a:srgbClr val="000000"/>
-            </a:solidFill>
+          <a:noFill/>
+          <a:ln w="3175" cap="flat" cmpd="sng">
+            <a:noFill/>
             <a:prstDash val="solid"/>
             <a:round/>
             <a:headEnd type="none" w="sm" len="sm"/>
@@ -9211,9 +9211,14 @@
               <a:buNone/>
             </a:pPr>
             <a:r>
-              <a:rPr lang="en" sz="1000" dirty="0">
+              <a:rPr lang="en" sz="1000" b="1" dirty="0">
+                <a:ln w="3175">
+                  <a:noFill/>
+                </a:ln>
                 <a:solidFill>
-                  <a:srgbClr val="0000FF"/>
+                  <a:schemeClr val="accent1">
+                    <a:lumMod val="50000"/>
+                  </a:schemeClr>
                 </a:solidFill>
               </a:rPr>
               <a:t>Step 1</a:t>
@@ -9231,15 +9236,25 @@
             </a:pPr>
             <a:r>
               <a:rPr lang="en" sz="700" b="1" dirty="0">
+                <a:ln w="3175">
+                  <a:noFill/>
+                </a:ln>
                 <a:solidFill>
-                  <a:srgbClr val="0000FF"/>
+                  <a:schemeClr val="accent1">
+                    <a:lumMod val="50000"/>
+                  </a:schemeClr>
                 </a:solidFill>
               </a:rPr>
               <a:t>Preliminary Training</a:t>
             </a:r>
             <a:endParaRPr sz="600" b="1" dirty="0">
+              <a:ln w="3175">
+                <a:noFill/>
+              </a:ln>
               <a:solidFill>
-                <a:srgbClr val="0000FF"/>
+                <a:schemeClr val="accent1">
+                  <a:lumMod val="50000"/>
+                </a:schemeClr>
               </a:solidFill>
             </a:endParaRPr>
           </a:p>
@@ -9295,7 +9310,7 @@
                 <a:cs typeface="Libre Baskerville"/>
                 <a:sym typeface="Libre Baskerville"/>
               </a:rPr>
-              <a:t>x</a:t>
+              <a:t>D</a:t>
             </a:r>
             <a:r>
               <a:rPr lang="en" sz="800" b="1" i="1" baseline="-25000" dirty="0">
@@ -9476,34 +9491,37 @@
               <a:buNone/>
             </a:pPr>
             <a:r>
-              <a:rPr lang="en-US" sz="700" b="1" dirty="0">
+              <a:rPr lang="en-US" sz="700" b="1" i="1" dirty="0">
                 <a:solidFill>
                   <a:schemeClr val="accent5">
                     <a:lumMod val="75000"/>
                   </a:schemeClr>
                 </a:solidFill>
-                <a:latin typeface="+mj-lt"/>
+                <a:latin typeface="Baskerville" panose="02020502070401020303" pitchFamily="18" charset="0"/>
+                <a:ea typeface="Baskerville" panose="02020502070401020303" pitchFamily="18" charset="0"/>
               </a:rPr>
               <a:t>M</a:t>
             </a:r>
             <a:r>
-              <a:rPr lang="en-US" sz="700" b="1" baseline="-25000" dirty="0">
+              <a:rPr lang="en-US" sz="700" b="1" i="1" baseline="-25000" dirty="0">
                 <a:solidFill>
                   <a:schemeClr val="accent5">
                     <a:lumMod val="75000"/>
                   </a:schemeClr>
                 </a:solidFill>
-                <a:latin typeface="+mj-lt"/>
+                <a:latin typeface="Baskerville" panose="02020502070401020303" pitchFamily="18" charset="0"/>
+                <a:ea typeface="Baskerville" panose="02020502070401020303" pitchFamily="18" charset="0"/>
               </a:rPr>
-              <a:t>T1</a:t>
+              <a:t>1</a:t>
             </a:r>
-            <a:endParaRPr lang="en-US" sz="700" b="1" dirty="0">
+            <a:endParaRPr lang="en-US" sz="700" b="1" i="1" dirty="0">
               <a:solidFill>
                 <a:schemeClr val="accent5">
                   <a:lumMod val="75000"/>
                 </a:schemeClr>
               </a:solidFill>
-              <a:latin typeface="+mj-lt"/>
+              <a:latin typeface="Baskerville" panose="02020502070401020303" pitchFamily="18" charset="0"/>
+              <a:ea typeface="Baskerville" panose="02020502070401020303" pitchFamily="18" charset="0"/>
             </a:endParaRPr>
           </a:p>
         </p:txBody>
@@ -9559,408 +9577,41 @@
               <a:buNone/>
             </a:pPr>
             <a:r>
-              <a:rPr lang="en-US" sz="700" b="1" dirty="0">
+              <a:rPr lang="en-US" sz="700" b="1" i="1" dirty="0">
                 <a:solidFill>
                   <a:schemeClr val="accent5">
                     <a:lumMod val="75000"/>
                   </a:schemeClr>
                 </a:solidFill>
-                <a:latin typeface="+mj-lt"/>
+                <a:latin typeface="Baskerville" panose="02020502070401020303" pitchFamily="18" charset="0"/>
+                <a:ea typeface="Baskerville" panose="02020502070401020303" pitchFamily="18" charset="0"/>
               </a:rPr>
               <a:t>M</a:t>
             </a:r>
             <a:r>
-              <a:rPr lang="en-US" sz="700" b="1" baseline="-25000" dirty="0">
+              <a:rPr lang="en-US" sz="700" b="1" i="1" baseline="-25000" dirty="0">
                 <a:solidFill>
                   <a:schemeClr val="accent5">
                     <a:lumMod val="75000"/>
                   </a:schemeClr>
                 </a:solidFill>
-                <a:latin typeface="+mj-lt"/>
+                <a:latin typeface="Baskerville" panose="02020502070401020303" pitchFamily="18" charset="0"/>
+                <a:ea typeface="Baskerville" panose="02020502070401020303" pitchFamily="18" charset="0"/>
               </a:rPr>
-              <a:t>T1</a:t>
+              <a:t>1</a:t>
             </a:r>
-            <a:endParaRPr lang="en-US" sz="700" b="1" dirty="0">
+            <a:endParaRPr lang="en-US" sz="700" b="1" i="1" dirty="0">
               <a:solidFill>
                 <a:schemeClr val="accent5">
                   <a:lumMod val="75000"/>
                 </a:schemeClr>
               </a:solidFill>
-              <a:latin typeface="+mj-lt"/>
+              <a:latin typeface="Baskerville" panose="02020502070401020303" pitchFamily="18" charset="0"/>
+              <a:ea typeface="Baskerville" panose="02020502070401020303" pitchFamily="18" charset="0"/>
             </a:endParaRPr>
           </a:p>
         </p:txBody>
       </p:sp>
-      <p:grpSp>
-        <p:nvGrpSpPr>
-          <p:cNvPr id="67" name="Group 66">
-            <a:extLst>
-              <a:ext uri="{FF2B5EF4-FFF2-40B4-BE49-F238E27FC236}">
-                <a16:creationId xmlns:a16="http://schemas.microsoft.com/office/drawing/2014/main" id="{3FED93B6-B8FA-5C4F-B5BB-E061458CFBAC}"/>
-              </a:ext>
-            </a:extLst>
-          </p:cNvPr>
-          <p:cNvGrpSpPr/>
-          <p:nvPr/>
-        </p:nvGrpSpPr>
-        <p:grpSpPr>
-          <a:xfrm>
-            <a:off x="2082873" y="840557"/>
-            <a:ext cx="1350900" cy="345881"/>
-            <a:chOff x="1504609" y="389967"/>
-            <a:chExt cx="1350900" cy="345881"/>
-          </a:xfrm>
-        </p:grpSpPr>
-        <p:sp>
-          <p:nvSpPr>
-            <p:cNvPr id="68" name="Google Shape;57;p13">
-              <a:extLst>
-                <a:ext uri="{FF2B5EF4-FFF2-40B4-BE49-F238E27FC236}">
-                  <a16:creationId xmlns:a16="http://schemas.microsoft.com/office/drawing/2014/main" id="{52939824-7B1F-A948-9B49-70CDBEB5441A}"/>
-                </a:ext>
-              </a:extLst>
-            </p:cNvPr>
-            <p:cNvSpPr/>
-            <p:nvPr/>
-          </p:nvSpPr>
-          <p:spPr>
-            <a:xfrm>
-              <a:off x="1504609" y="468632"/>
-              <a:ext cx="1350900" cy="267216"/>
-            </a:xfrm>
-            <a:prstGeom prst="roundRect">
-              <a:avLst>
-                <a:gd name="adj" fmla="val 6888"/>
-              </a:avLst>
-            </a:prstGeom>
-            <a:solidFill>
-              <a:srgbClr val="FCE5CD"/>
-            </a:solidFill>
-            <a:ln w="9525" cap="flat" cmpd="sng">
-              <a:solidFill>
-                <a:srgbClr val="000000"/>
-              </a:solidFill>
-              <a:prstDash val="dash"/>
-              <a:round/>
-              <a:headEnd type="none" w="sm" len="sm"/>
-              <a:tailEnd type="none" w="sm" len="sm"/>
-            </a:ln>
-          </p:spPr>
-          <p:txBody>
-            <a:bodyPr spcFirstLastPara="1" wrap="square" lIns="91425" tIns="91425" rIns="91425" bIns="91425" anchor="ctr" anchorCtr="0">
-              <a:noAutofit/>
-            </a:bodyPr>
-            <a:lstStyle/>
-            <a:p>
-              <a:pPr marL="0" lvl="0" indent="0" algn="l" rtl="0">
-                <a:spcBef>
-                  <a:spcPts val="0"/>
-                </a:spcBef>
-                <a:spcAft>
-                  <a:spcPts val="0"/>
-                </a:spcAft>
-                <a:buNone/>
-              </a:pPr>
-              <a:endParaRPr dirty="0"/>
-            </a:p>
-          </p:txBody>
-        </p:sp>
-        <p:sp>
-          <p:nvSpPr>
-            <p:cNvPr id="69" name="Google Shape;61;p13">
-              <a:extLst>
-                <a:ext uri="{FF2B5EF4-FFF2-40B4-BE49-F238E27FC236}">
-                  <a16:creationId xmlns:a16="http://schemas.microsoft.com/office/drawing/2014/main" id="{A3068C8D-40B3-7D40-BDCC-DB6E5F8D3264}"/>
-                </a:ext>
-              </a:extLst>
-            </p:cNvPr>
-            <p:cNvSpPr/>
-            <p:nvPr/>
-          </p:nvSpPr>
-          <p:spPr>
-            <a:xfrm>
-              <a:off x="1530849" y="519632"/>
-              <a:ext cx="142200" cy="152400"/>
-            </a:xfrm>
-            <a:prstGeom prst="rect">
-              <a:avLst/>
-            </a:prstGeom>
-            <a:solidFill>
-              <a:srgbClr val="F9CB9C"/>
-            </a:solidFill>
-            <a:ln w="9525" cap="flat" cmpd="sng">
-              <a:solidFill>
-                <a:srgbClr val="000000"/>
-              </a:solidFill>
-              <a:prstDash val="solid"/>
-              <a:round/>
-              <a:headEnd type="none" w="sm" len="sm"/>
-              <a:tailEnd type="none" w="sm" len="sm"/>
-            </a:ln>
-          </p:spPr>
-          <p:txBody>
-            <a:bodyPr spcFirstLastPara="1" wrap="square" lIns="91425" tIns="91425" rIns="91425" bIns="91425" anchor="ctr" anchorCtr="0">
-              <a:noAutofit/>
-            </a:bodyPr>
-            <a:lstStyle/>
-            <a:p>
-              <a:pPr marL="0" lvl="0" indent="0" algn="l" rtl="0">
-                <a:spcBef>
-                  <a:spcPts val="0"/>
-                </a:spcBef>
-                <a:spcAft>
-                  <a:spcPts val="0"/>
-                </a:spcAft>
-                <a:buNone/>
-              </a:pPr>
-              <a:endParaRPr dirty="0"/>
-            </a:p>
-          </p:txBody>
-        </p:sp>
-        <p:sp>
-          <p:nvSpPr>
-            <p:cNvPr id="70" name="Google Shape;100;p13">
-              <a:extLst>
-                <a:ext uri="{FF2B5EF4-FFF2-40B4-BE49-F238E27FC236}">
-                  <a16:creationId xmlns:a16="http://schemas.microsoft.com/office/drawing/2014/main" id="{AC2C860D-A9D4-FC4E-A240-505131D1E00F}"/>
-                </a:ext>
-              </a:extLst>
-            </p:cNvPr>
-            <p:cNvSpPr/>
-            <p:nvPr/>
-          </p:nvSpPr>
-          <p:spPr>
-            <a:xfrm>
-              <a:off x="1759449" y="519632"/>
-              <a:ext cx="142200" cy="152400"/>
-            </a:xfrm>
-            <a:prstGeom prst="rect">
-              <a:avLst/>
-            </a:prstGeom>
-            <a:solidFill>
-              <a:srgbClr val="F9CB9C"/>
-            </a:solidFill>
-            <a:ln w="9525" cap="flat" cmpd="sng">
-              <a:solidFill>
-                <a:srgbClr val="000000"/>
-              </a:solidFill>
-              <a:prstDash val="solid"/>
-              <a:round/>
-              <a:headEnd type="none" w="sm" len="sm"/>
-              <a:tailEnd type="none" w="sm" len="sm"/>
-            </a:ln>
-          </p:spPr>
-          <p:txBody>
-            <a:bodyPr spcFirstLastPara="1" wrap="square" lIns="91425" tIns="91425" rIns="91425" bIns="91425" anchor="ctr" anchorCtr="0">
-              <a:noAutofit/>
-            </a:bodyPr>
-            <a:lstStyle/>
-            <a:p>
-              <a:pPr marL="0" lvl="0" indent="0" algn="l" rtl="0">
-                <a:spcBef>
-                  <a:spcPts val="0"/>
-                </a:spcBef>
-                <a:spcAft>
-                  <a:spcPts val="0"/>
-                </a:spcAft>
-                <a:buNone/>
-              </a:pPr>
-              <a:endParaRPr dirty="0"/>
-            </a:p>
-          </p:txBody>
-        </p:sp>
-        <p:sp>
-          <p:nvSpPr>
-            <p:cNvPr id="71" name="Google Shape;114;p13">
-              <a:extLst>
-                <a:ext uri="{FF2B5EF4-FFF2-40B4-BE49-F238E27FC236}">
-                  <a16:creationId xmlns:a16="http://schemas.microsoft.com/office/drawing/2014/main" id="{12C1D6DA-CDDD-5D44-B036-DA8A6C3C81BD}"/>
-                </a:ext>
-              </a:extLst>
-            </p:cNvPr>
-            <p:cNvSpPr/>
-            <p:nvPr/>
-          </p:nvSpPr>
-          <p:spPr>
-            <a:xfrm>
-              <a:off x="1988049" y="519632"/>
-              <a:ext cx="142200" cy="152400"/>
-            </a:xfrm>
-            <a:prstGeom prst="rect">
-              <a:avLst/>
-            </a:prstGeom>
-            <a:solidFill>
-              <a:srgbClr val="F9CB9C"/>
-            </a:solidFill>
-            <a:ln w="9525" cap="flat" cmpd="sng">
-              <a:solidFill>
-                <a:srgbClr val="000000"/>
-              </a:solidFill>
-              <a:prstDash val="solid"/>
-              <a:round/>
-              <a:headEnd type="none" w="sm" len="sm"/>
-              <a:tailEnd type="none" w="sm" len="sm"/>
-            </a:ln>
-          </p:spPr>
-          <p:txBody>
-            <a:bodyPr spcFirstLastPara="1" wrap="square" lIns="91425" tIns="91425" rIns="91425" bIns="91425" anchor="ctr" anchorCtr="0">
-              <a:noAutofit/>
-            </a:bodyPr>
-            <a:lstStyle/>
-            <a:p>
-              <a:pPr marL="0" lvl="0" indent="0" algn="l" rtl="0">
-                <a:spcBef>
-                  <a:spcPts val="0"/>
-                </a:spcBef>
-                <a:spcAft>
-                  <a:spcPts val="0"/>
-                </a:spcAft>
-                <a:buNone/>
-              </a:pPr>
-              <a:endParaRPr dirty="0"/>
-            </a:p>
-          </p:txBody>
-        </p:sp>
-        <p:sp>
-          <p:nvSpPr>
-            <p:cNvPr id="72" name="Google Shape;128;p13">
-              <a:extLst>
-                <a:ext uri="{FF2B5EF4-FFF2-40B4-BE49-F238E27FC236}">
-                  <a16:creationId xmlns:a16="http://schemas.microsoft.com/office/drawing/2014/main" id="{71ADBE18-9075-4145-8F8D-146F680E0E37}"/>
-                </a:ext>
-              </a:extLst>
-            </p:cNvPr>
-            <p:cNvSpPr/>
-            <p:nvPr/>
-          </p:nvSpPr>
-          <p:spPr>
-            <a:xfrm>
-              <a:off x="2216649" y="519632"/>
-              <a:ext cx="142200" cy="152400"/>
-            </a:xfrm>
-            <a:prstGeom prst="rect">
-              <a:avLst/>
-            </a:prstGeom>
-            <a:solidFill>
-              <a:srgbClr val="F9CB9C"/>
-            </a:solidFill>
-            <a:ln w="9525" cap="flat" cmpd="sng">
-              <a:solidFill>
-                <a:srgbClr val="000000"/>
-              </a:solidFill>
-              <a:prstDash val="solid"/>
-              <a:round/>
-              <a:headEnd type="none" w="sm" len="sm"/>
-              <a:tailEnd type="none" w="sm" len="sm"/>
-            </a:ln>
-          </p:spPr>
-          <p:txBody>
-            <a:bodyPr spcFirstLastPara="1" wrap="square" lIns="91425" tIns="91425" rIns="91425" bIns="91425" anchor="ctr" anchorCtr="0">
-              <a:noAutofit/>
-            </a:bodyPr>
-            <a:lstStyle/>
-            <a:p>
-              <a:pPr marL="0" lvl="0" indent="0" algn="l" rtl="0">
-                <a:spcBef>
-                  <a:spcPts val="0"/>
-                </a:spcBef>
-                <a:spcAft>
-                  <a:spcPts val="0"/>
-                </a:spcAft>
-                <a:buNone/>
-              </a:pPr>
-              <a:endParaRPr dirty="0"/>
-            </a:p>
-          </p:txBody>
-        </p:sp>
-        <p:sp>
-          <p:nvSpPr>
-            <p:cNvPr id="73" name="Google Shape;142;p13">
-              <a:extLst>
-                <a:ext uri="{FF2B5EF4-FFF2-40B4-BE49-F238E27FC236}">
-                  <a16:creationId xmlns:a16="http://schemas.microsoft.com/office/drawing/2014/main" id="{99F05B9F-5876-3B44-9B63-BEE23DB313F1}"/>
-                </a:ext>
-              </a:extLst>
-            </p:cNvPr>
-            <p:cNvSpPr/>
-            <p:nvPr/>
-          </p:nvSpPr>
-          <p:spPr>
-            <a:xfrm>
-              <a:off x="2673849" y="519632"/>
-              <a:ext cx="142200" cy="152400"/>
-            </a:xfrm>
-            <a:prstGeom prst="rect">
-              <a:avLst/>
-            </a:prstGeom>
-            <a:solidFill>
-              <a:srgbClr val="F9CB9C"/>
-            </a:solidFill>
-            <a:ln w="9525" cap="flat" cmpd="sng">
-              <a:solidFill>
-                <a:srgbClr val="000000"/>
-              </a:solidFill>
-              <a:prstDash val="solid"/>
-              <a:round/>
-              <a:headEnd type="none" w="sm" len="sm"/>
-              <a:tailEnd type="none" w="sm" len="sm"/>
-            </a:ln>
-          </p:spPr>
-          <p:txBody>
-            <a:bodyPr spcFirstLastPara="1" wrap="square" lIns="91425" tIns="91425" rIns="91425" bIns="91425" anchor="ctr" anchorCtr="0">
-              <a:noAutofit/>
-            </a:bodyPr>
-            <a:lstStyle/>
-            <a:p>
-              <a:pPr marL="0" lvl="0" indent="0" algn="l" rtl="0">
-                <a:spcBef>
-                  <a:spcPts val="0"/>
-                </a:spcBef>
-                <a:spcAft>
-                  <a:spcPts val="0"/>
-                </a:spcAft>
-                <a:buNone/>
-              </a:pPr>
-              <a:endParaRPr dirty="0"/>
-            </a:p>
-          </p:txBody>
-        </p:sp>
-        <p:sp>
-          <p:nvSpPr>
-            <p:cNvPr id="74" name="TextBox 73">
-              <a:extLst>
-                <a:ext uri="{FF2B5EF4-FFF2-40B4-BE49-F238E27FC236}">
-                  <a16:creationId xmlns:a16="http://schemas.microsoft.com/office/drawing/2014/main" id="{1E5C3DE9-B129-E745-BBEF-9F372AA5531E}"/>
-                </a:ext>
-              </a:extLst>
-            </p:cNvPr>
-            <p:cNvSpPr txBox="1"/>
-            <p:nvPr/>
-          </p:nvSpPr>
-          <p:spPr>
-            <a:xfrm>
-              <a:off x="2336847" y="389967"/>
-              <a:ext cx="333155" cy="307777"/>
-            </a:xfrm>
-            <a:prstGeom prst="rect">
-              <a:avLst/>
-            </a:prstGeom>
-            <a:noFill/>
-          </p:spPr>
-          <p:txBody>
-            <a:bodyPr wrap="square" rtlCol="0">
-              <a:spAutoFit/>
-            </a:bodyPr>
-            <a:lstStyle/>
-            <a:p>
-              <a:r>
-                <a:rPr lang="en-US" b="1" dirty="0"/>
-                <a:t>…</a:t>
-              </a:r>
-            </a:p>
-          </p:txBody>
-        </p:sp>
-      </p:grpSp>
       <p:sp>
         <p:nvSpPr>
           <p:cNvPr id="75" name="Google Shape;161;p13">
@@ -10006,29 +9657,31 @@
                 <a:solidFill>
                   <a:schemeClr val="tx1"/>
                 </a:solidFill>
-                <a:latin typeface="Libre Baskerville"/>
-                <a:ea typeface="Libre Baskerville"/>
+                <a:latin typeface="Baskerville" panose="02020502070401020303" pitchFamily="18" charset="0"/>
+                <a:ea typeface="Baskerville" panose="02020502070401020303" pitchFamily="18" charset="0"/>
                 <a:cs typeface="Libre Baskerville"/>
                 <a:sym typeface="Libre Baskerville"/>
               </a:rPr>
-              <a:t>x</a:t>
+              <a:t>X</a:t>
             </a:r>
             <a:r>
               <a:rPr lang="en" sz="800" b="1" i="1" baseline="-25000" dirty="0">
                 <a:solidFill>
                   <a:schemeClr val="tx1"/>
                 </a:solidFill>
-                <a:latin typeface="Libre Baskerville"/>
-                <a:ea typeface="Libre Baskerville"/>
+                <a:latin typeface="Baskerville" panose="02020502070401020303" pitchFamily="18" charset="0"/>
+                <a:ea typeface="Baskerville" panose="02020502070401020303" pitchFamily="18" charset="0"/>
                 <a:cs typeface="Libre Baskerville"/>
                 <a:sym typeface="Libre Baskerville"/>
               </a:rPr>
-              <a:t>2</a:t>
+              <a:t>D2</a:t>
             </a:r>
             <a:endParaRPr sz="800" b="1" dirty="0">
               <a:solidFill>
                 <a:schemeClr val="tx1"/>
               </a:solidFill>
+              <a:latin typeface="Baskerville" panose="02020502070401020303" pitchFamily="18" charset="0"/>
+              <a:ea typeface="Baskerville" panose="02020502070401020303" pitchFamily="18" charset="0"/>
             </a:endParaRPr>
           </a:p>
         </p:txBody>
@@ -10453,7 +10106,7 @@
         <p:spPr>
           <a:xfrm>
             <a:off x="2537675" y="1888278"/>
-            <a:ext cx="341675" cy="224100"/>
+            <a:ext cx="371408" cy="224100"/>
           </a:xfrm>
           <a:prstGeom prst="rect">
             <a:avLst/>
@@ -10483,29 +10136,31 @@
                 <a:solidFill>
                   <a:schemeClr val="tx1"/>
                 </a:solidFill>
-                <a:latin typeface="Libre Baskerville"/>
-                <a:ea typeface="Libre Baskerville"/>
+                <a:latin typeface="Baskerville" panose="02020502070401020303" pitchFamily="18" charset="0"/>
+                <a:ea typeface="Baskerville" panose="02020502070401020303" pitchFamily="18" charset="0"/>
                 <a:cs typeface="Libre Baskerville"/>
                 <a:sym typeface="Libre Baskerville"/>
               </a:rPr>
-              <a:t>x</a:t>
+              <a:t>X</a:t>
             </a:r>
             <a:r>
               <a:rPr lang="en" sz="800" b="1" i="1" baseline="-25000" dirty="0">
                 <a:solidFill>
                   <a:schemeClr val="tx1"/>
                 </a:solidFill>
-                <a:latin typeface="Libre Baskerville"/>
-                <a:ea typeface="Libre Baskerville"/>
+                <a:latin typeface="Baskerville" panose="02020502070401020303" pitchFamily="18" charset="0"/>
+                <a:ea typeface="Baskerville" panose="02020502070401020303" pitchFamily="18" charset="0"/>
                 <a:cs typeface="Libre Baskerville"/>
                 <a:sym typeface="Libre Baskerville"/>
               </a:rPr>
-              <a:t>n</a:t>
+              <a:t>Dn</a:t>
             </a:r>
             <a:endParaRPr sz="800" b="1" dirty="0">
               <a:solidFill>
                 <a:schemeClr val="tx1"/>
               </a:solidFill>
+              <a:latin typeface="Baskerville" panose="02020502070401020303" pitchFamily="18" charset="0"/>
+              <a:ea typeface="Baskerville" panose="02020502070401020303" pitchFamily="18" charset="0"/>
             </a:endParaRPr>
           </a:p>
         </p:txBody>
@@ -10521,15 +10176,15 @@
           </p:cNvPr>
           <p:cNvCxnSpPr>
             <a:cxnSpLocks/>
-            <a:stCxn id="68" idx="3"/>
+            <a:stCxn id="96" idx="3"/>
             <a:endCxn id="66" idx="1"/>
           </p:cNvCxnSpPr>
           <p:nvPr/>
         </p:nvCxnSpPr>
         <p:spPr>
           <a:xfrm>
-            <a:off x="3433773" y="1052830"/>
-            <a:ext cx="397489" cy="338187"/>
+            <a:off x="3430706" y="1042306"/>
+            <a:ext cx="400556" cy="348711"/>
           </a:xfrm>
           <a:prstGeom prst="straightConnector1">
             <a:avLst/>
@@ -11450,10 +11105,9 @@
             <a:lstStyle/>
             <a:p>
               <a:r>
-                <a:rPr lang="en-US" b="1"/>
+                <a:rPr lang="en-US" b="1" dirty="0"/>
                 <a:t>…</a:t>
               </a:r>
-              <a:endParaRPr lang="en-US" b="1" dirty="0"/>
             </a:p>
           </p:txBody>
         </p:sp>
@@ -11473,7 +11127,7 @@
         <p:spPr>
           <a:xfrm>
             <a:off x="5519319" y="1179664"/>
-            <a:ext cx="341675" cy="224100"/>
+            <a:ext cx="381816" cy="224100"/>
           </a:xfrm>
           <a:prstGeom prst="rect">
             <a:avLst/>
@@ -11503,20 +11157,20 @@
                 <a:solidFill>
                   <a:schemeClr val="tx1"/>
                 </a:solidFill>
-                <a:latin typeface="Libre Baskerville"/>
-                <a:ea typeface="Libre Baskerville"/>
+                <a:latin typeface="Baskerville" panose="02020502070401020303" pitchFamily="18" charset="0"/>
+                <a:ea typeface="Baskerville" panose="02020502070401020303" pitchFamily="18" charset="0"/>
                 <a:cs typeface="Libre Baskerville"/>
                 <a:sym typeface="Libre Baskerville"/>
               </a:rPr>
-              <a:t>x</a:t>
+              <a:t>Y</a:t>
             </a:r>
             <a:r>
               <a:rPr lang="en" sz="800" b="1" i="1" baseline="30000" dirty="0">
                 <a:solidFill>
                   <a:schemeClr val="tx1"/>
                 </a:solidFill>
-                <a:latin typeface="Libre Baskerville"/>
-                <a:ea typeface="Libre Baskerville"/>
+                <a:latin typeface="Baskerville" panose="02020502070401020303" pitchFamily="18" charset="0"/>
+                <a:ea typeface="Baskerville" panose="02020502070401020303" pitchFamily="18" charset="0"/>
                 <a:cs typeface="Libre Baskerville"/>
                 <a:sym typeface="Libre Baskerville"/>
               </a:rPr>
@@ -11527,17 +11181,19 @@
                 <a:solidFill>
                   <a:schemeClr val="tx1"/>
                 </a:solidFill>
-                <a:latin typeface="Libre Baskerville"/>
-                <a:ea typeface="Libre Baskerville"/>
+                <a:latin typeface="Baskerville" panose="02020502070401020303" pitchFamily="18" charset="0"/>
+                <a:ea typeface="Baskerville" panose="02020502070401020303" pitchFamily="18" charset="0"/>
                 <a:cs typeface="Libre Baskerville"/>
                 <a:sym typeface="Libre Baskerville"/>
               </a:rPr>
-              <a:t>2</a:t>
+              <a:t>D2</a:t>
             </a:r>
-            <a:endParaRPr sz="800" b="1" dirty="0">
+            <a:endParaRPr sz="800" b="1" i="1" dirty="0">
               <a:solidFill>
                 <a:schemeClr val="tx1"/>
               </a:solidFill>
+              <a:latin typeface="Baskerville" panose="02020502070401020303" pitchFamily="18" charset="0"/>
+              <a:ea typeface="Baskerville" panose="02020502070401020303" pitchFamily="18" charset="0"/>
             </a:endParaRPr>
           </a:p>
         </p:txBody>
@@ -11557,7 +11213,7 @@
         <p:spPr>
           <a:xfrm>
             <a:off x="5517077" y="1896844"/>
-            <a:ext cx="341675" cy="224100"/>
+            <a:ext cx="384058" cy="224100"/>
           </a:xfrm>
           <a:prstGeom prst="rect">
             <a:avLst/>
@@ -11587,20 +11243,20 @@
                 <a:solidFill>
                   <a:schemeClr val="tx1"/>
                 </a:solidFill>
-                <a:latin typeface="Libre Baskerville"/>
-                <a:ea typeface="Libre Baskerville"/>
+                <a:latin typeface="Baskerville" panose="02020502070401020303" pitchFamily="18" charset="0"/>
+                <a:ea typeface="Baskerville" panose="02020502070401020303" pitchFamily="18" charset="0"/>
                 <a:cs typeface="Libre Baskerville"/>
                 <a:sym typeface="Libre Baskerville"/>
               </a:rPr>
-              <a:t>x</a:t>
+              <a:t>Y</a:t>
             </a:r>
             <a:r>
               <a:rPr lang="en" sz="800" b="1" i="1" baseline="30000" dirty="0">
                 <a:solidFill>
                   <a:schemeClr val="tx1"/>
                 </a:solidFill>
-                <a:latin typeface="Libre Baskerville"/>
-                <a:ea typeface="Libre Baskerville"/>
+                <a:latin typeface="Baskerville" panose="02020502070401020303" pitchFamily="18" charset="0"/>
+                <a:ea typeface="Baskerville" panose="02020502070401020303" pitchFamily="18" charset="0"/>
                 <a:cs typeface="Libre Baskerville"/>
                 <a:sym typeface="Libre Baskerville"/>
               </a:rPr>
@@ -11611,17 +11267,19 @@
                 <a:solidFill>
                   <a:schemeClr val="tx1"/>
                 </a:solidFill>
-                <a:latin typeface="Libre Baskerville"/>
-                <a:ea typeface="Libre Baskerville"/>
+                <a:latin typeface="Baskerville" panose="02020502070401020303" pitchFamily="18" charset="0"/>
+                <a:ea typeface="Baskerville" panose="02020502070401020303" pitchFamily="18" charset="0"/>
                 <a:cs typeface="Libre Baskerville"/>
                 <a:sym typeface="Libre Baskerville"/>
               </a:rPr>
-              <a:t>n</a:t>
+              <a:t>Dn</a:t>
             </a:r>
-            <a:endParaRPr sz="800" b="1" dirty="0">
+            <a:endParaRPr sz="800" b="1" i="1" dirty="0">
               <a:solidFill>
                 <a:schemeClr val="tx1"/>
               </a:solidFill>
+              <a:latin typeface="Baskerville" panose="02020502070401020303" pitchFamily="18" charset="0"/>
+              <a:ea typeface="Baskerville" panose="02020502070401020303" pitchFamily="18" charset="0"/>
             </a:endParaRPr>
           </a:p>
         </p:txBody>
@@ -11747,8 +11405,8 @@
         </p:nvSpPr>
         <p:spPr>
           <a:xfrm>
-            <a:off x="1834696" y="2278108"/>
-            <a:ext cx="1876733" cy="1371747"/>
+            <a:off x="1834696" y="2278109"/>
+            <a:ext cx="1876733" cy="1049222"/>
           </a:xfrm>
           <a:prstGeom prst="roundRect">
             <a:avLst>
@@ -11802,7 +11460,7 @@
         <p:spPr>
           <a:xfrm>
             <a:off x="2813835" y="2345989"/>
-            <a:ext cx="811951" cy="267216"/>
+            <a:ext cx="811951" cy="155633"/>
           </a:xfrm>
           <a:prstGeom prst="roundRect">
             <a:avLst>
@@ -11902,8 +11560,8 @@
         </p:nvSpPr>
         <p:spPr>
           <a:xfrm rot="5400000">
-            <a:off x="2649943" y="2948437"/>
-            <a:ext cx="333155" cy="307777"/>
+            <a:off x="2639895" y="2800700"/>
+            <a:ext cx="333155" cy="261610"/>
           </a:xfrm>
           <a:prstGeom prst="rect">
             <a:avLst/>
@@ -11917,106 +11575,177 @@
           <a:lstStyle/>
           <a:p>
             <a:r>
-              <a:rPr lang="en-US" b="1" dirty="0"/>
+              <a:rPr lang="en-US" sz="1100" b="1" dirty="0"/>
               <a:t>…</a:t>
             </a:r>
           </a:p>
         </p:txBody>
       </p:sp>
-      <p:sp>
-        <p:nvSpPr>
-          <p:cNvPr id="158" name="Google Shape;58;p13">
-            <a:extLst>
-              <a:ext uri="{FF2B5EF4-FFF2-40B4-BE49-F238E27FC236}">
-                <a16:creationId xmlns:a16="http://schemas.microsoft.com/office/drawing/2014/main" id="{2847E51C-94CC-E94A-9A7C-1E74313D8B0D}"/>
-              </a:ext>
-            </a:extLst>
-          </p:cNvPr>
-          <p:cNvSpPr/>
-          <p:nvPr/>
-        </p:nvSpPr>
-        <p:spPr>
-          <a:xfrm>
-            <a:off x="4046415" y="2734793"/>
-            <a:ext cx="796123" cy="458376"/>
-          </a:xfrm>
-          <a:prstGeom prst="roundRect">
-            <a:avLst>
-              <a:gd name="adj" fmla="val 6077"/>
-            </a:avLst>
-          </a:prstGeom>
-          <a:solidFill>
-            <a:srgbClr val="D9EAD3"/>
-          </a:solidFill>
-          <a:ln w="9525" cap="flat" cmpd="sng">
-            <a:solidFill>
-              <a:srgbClr val="000000"/>
-            </a:solidFill>
-            <a:prstDash val="dash"/>
-            <a:round/>
-            <a:headEnd type="none" w="sm" len="sm"/>
-            <a:tailEnd type="none" w="sm" len="sm"/>
-          </a:ln>
-        </p:spPr>
-        <p:txBody>
-          <a:bodyPr spcFirstLastPara="1" wrap="square" lIns="91425" tIns="91425" rIns="91425" bIns="91425" anchor="ctr" anchorCtr="0">
-            <a:noAutofit/>
-          </a:bodyPr>
-          <a:lstStyle/>
-          <a:p>
-            <a:pPr marL="0" lvl="0" indent="0" algn="ctr" rtl="0">
-              <a:spcBef>
-                <a:spcPts val="0"/>
-              </a:spcBef>
-              <a:spcAft>
-                <a:spcPts val="0"/>
-              </a:spcAft>
-              <a:buNone/>
-            </a:pPr>
-            <a:r>
-              <a:rPr lang="en-US" sz="700" b="1" dirty="0">
+      <mc:AlternateContent xmlns:mc="http://schemas.openxmlformats.org/markup-compatibility/2006">
+        <mc:Choice xmlns:a14="http://schemas.microsoft.com/office/drawing/2010/main" Requires="a14">
+          <p:sp>
+            <p:nvSpPr>
+              <p:cNvPr id="158" name="Google Shape;58;p13">
+                <a:extLst>
+                  <a:ext uri="{FF2B5EF4-FFF2-40B4-BE49-F238E27FC236}">
+                    <a16:creationId xmlns:a16="http://schemas.microsoft.com/office/drawing/2014/main" id="{2847E51C-94CC-E94A-9A7C-1E74313D8B0D}"/>
+                  </a:ext>
+                </a:extLst>
+              </p:cNvPr>
+              <p:cNvSpPr/>
+              <p:nvPr/>
+            </p:nvSpPr>
+            <p:spPr>
+              <a:xfrm>
+                <a:off x="4134946" y="2574655"/>
+                <a:ext cx="796123" cy="458376"/>
+              </a:xfrm>
+              <a:prstGeom prst="roundRect">
+                <a:avLst>
+                  <a:gd name="adj" fmla="val 6077"/>
+                </a:avLst>
+              </a:prstGeom>
+              <a:solidFill>
+                <a:srgbClr val="D9EAD3"/>
+              </a:solidFill>
+              <a:ln w="9525" cap="flat" cmpd="sng">
                 <a:solidFill>
-                  <a:schemeClr val="accent5">
-                    <a:lumMod val="75000"/>
-                  </a:schemeClr>
+                  <a:srgbClr val="000000"/>
                 </a:solidFill>
-                <a:latin typeface="+mj-lt"/>
-              </a:rPr>
-              <a:t>M</a:t>
-            </a:r>
-            <a:r>
-              <a:rPr lang="en-US" sz="700" b="1" baseline="30000" dirty="0">
+                <a:prstDash val="dash"/>
+                <a:round/>
+                <a:headEnd type="none" w="sm" len="sm"/>
+                <a:tailEnd type="none" w="sm" len="sm"/>
+              </a:ln>
+            </p:spPr>
+            <p:txBody>
+              <a:bodyPr spcFirstLastPara="1" wrap="square" lIns="91425" tIns="91425" rIns="91425" bIns="91425" anchor="ctr" anchorCtr="0">
+                <a:noAutofit/>
+              </a:bodyPr>
+              <a:lstStyle/>
+              <a:p>
+                <a:pPr marL="0" lvl="0" indent="0" algn="ctr" rtl="0">
+                  <a:spcBef>
+                    <a:spcPts val="0"/>
+                  </a:spcBef>
+                  <a:spcAft>
+                    <a:spcPts val="0"/>
+                  </a:spcAft>
+                  <a:buNone/>
+                </a:pPr>
+                <a14:m>
+                  <m:oMath xmlns:m="http://schemas.openxmlformats.org/officeDocument/2006/math">
+                    <m:acc>
+                      <m:accPr>
+                        <m:chr m:val="̂"/>
+                        <m:ctrlPr>
+                          <a:rPr lang="en-US" sz="700" b="1" i="1" smtClean="0">
+                            <a:solidFill>
+                              <a:schemeClr val="accent5">
+                                <a:lumMod val="75000"/>
+                              </a:schemeClr>
+                            </a:solidFill>
+                            <a:latin typeface="Cambria Math" panose="02040503050406030204" pitchFamily="18" charset="0"/>
+                          </a:rPr>
+                        </m:ctrlPr>
+                      </m:accPr>
+                      <m:e>
+                        <m:r>
+                          <a:rPr lang="en-US" sz="700" b="1" i="1" smtClean="0">
+                            <a:solidFill>
+                              <a:schemeClr val="accent5">
+                                <a:lumMod val="75000"/>
+                              </a:schemeClr>
+                            </a:solidFill>
+                            <a:latin typeface="Cambria Math" panose="02040503050406030204" pitchFamily="18" charset="0"/>
+                          </a:rPr>
+                          <m:t>𝑴</m:t>
+                        </m:r>
+                      </m:e>
+                    </m:acc>
+                  </m:oMath>
+                </a14:m>
+                <a:r>
+                  <a:rPr lang="en-US" sz="700" b="1" i="1" baseline="-25000" dirty="0">
+                    <a:solidFill>
+                      <a:schemeClr val="accent5">
+                        <a:lumMod val="75000"/>
+                      </a:schemeClr>
+                    </a:solidFill>
+                    <a:latin typeface="Baskerville" panose="02020502070401020303" pitchFamily="18" charset="0"/>
+                    <a:ea typeface="Baskerville" panose="02020502070401020303" pitchFamily="18" charset="0"/>
+                  </a:rPr>
+                  <a:t>1</a:t>
+                </a:r>
+                <a:endParaRPr lang="en-US" sz="700" b="1" i="1" dirty="0">
+                  <a:solidFill>
+                    <a:schemeClr val="accent5">
+                      <a:lumMod val="75000"/>
+                    </a:schemeClr>
+                  </a:solidFill>
+                  <a:latin typeface="Baskerville" panose="02020502070401020303" pitchFamily="18" charset="0"/>
+                  <a:ea typeface="Baskerville" panose="02020502070401020303" pitchFamily="18" charset="0"/>
+                </a:endParaRPr>
+              </a:p>
+            </p:txBody>
+          </p:sp>
+        </mc:Choice>
+        <mc:Fallback>
+          <p:sp>
+            <p:nvSpPr>
+              <p:cNvPr id="158" name="Google Shape;58;p13">
+                <a:extLst>
+                  <a:ext uri="{FF2B5EF4-FFF2-40B4-BE49-F238E27FC236}">
+                    <a16:creationId xmlns:a16="http://schemas.microsoft.com/office/drawing/2014/main" id="{2847E51C-94CC-E94A-9A7C-1E74313D8B0D}"/>
+                  </a:ext>
+                </a:extLst>
+              </p:cNvPr>
+              <p:cNvSpPr>
+                <a:spLocks noRot="1" noChangeAspect="1" noMove="1" noResize="1" noEditPoints="1" noAdjustHandles="1" noChangeArrowheads="1" noChangeShapeType="1" noTextEdit="1"/>
+              </p:cNvSpPr>
+              <p:nvPr/>
+            </p:nvSpPr>
+            <p:spPr>
+              <a:xfrm>
+                <a:off x="4134946" y="2574655"/>
+                <a:ext cx="796123" cy="458376"/>
+              </a:xfrm>
+              <a:prstGeom prst="roundRect">
+                <a:avLst>
+                  <a:gd name="adj" fmla="val 6077"/>
+                </a:avLst>
+              </a:prstGeom>
+              <a:blipFill>
+                <a:blip r:embed="rId2"/>
+                <a:stretch>
+                  <a:fillRect/>
+                </a:stretch>
+              </a:blipFill>
+              <a:ln w="9525" cap="flat" cmpd="sng">
                 <a:solidFill>
-                  <a:schemeClr val="accent5">
-                    <a:lumMod val="75000"/>
-                  </a:schemeClr>
+                  <a:srgbClr val="000000"/>
                 </a:solidFill>
-                <a:latin typeface="+mj-lt"/>
-              </a:rPr>
-              <a:t>’</a:t>
-            </a:r>
-            <a:r>
-              <a:rPr lang="en-US" sz="700" b="1" baseline="-25000" dirty="0">
-                <a:solidFill>
-                  <a:schemeClr val="accent5">
-                    <a:lumMod val="75000"/>
-                  </a:schemeClr>
-                </a:solidFill>
-                <a:latin typeface="+mj-lt"/>
-              </a:rPr>
-              <a:t>T1</a:t>
-            </a:r>
-            <a:endParaRPr lang="en-US" sz="700" b="1" dirty="0">
-              <a:solidFill>
-                <a:schemeClr val="accent5">
-                  <a:lumMod val="75000"/>
-                </a:schemeClr>
-              </a:solidFill>
-              <a:latin typeface="+mj-lt"/>
-            </a:endParaRPr>
-          </a:p>
-        </p:txBody>
-      </p:sp>
+                <a:prstDash val="dash"/>
+                <a:round/>
+                <a:headEnd type="none" w="sm" len="sm"/>
+                <a:tailEnd type="none" w="sm" len="sm"/>
+              </a:ln>
+            </p:spPr>
+            <p:txBody>
+              <a:bodyPr/>
+              <a:lstStyle/>
+              <a:p>
+                <a:r>
+                  <a:rPr lang="en-GB">
+                    <a:noFill/>
+                  </a:rPr>
+                  <a:t> </a:t>
+                </a:r>
+              </a:p>
+            </p:txBody>
+          </p:sp>
+        </mc:Fallback>
+      </mc:AlternateContent>
       <p:cxnSp>
         <p:nvCxnSpPr>
           <p:cNvPr id="163" name="Google Shape;178;p13">
@@ -12034,9 +11763,9 @@
           <p:nvPr/>
         </p:nvCxnSpPr>
         <p:spPr>
-          <a:xfrm flipV="1">
-            <a:off x="3711429" y="2963981"/>
-            <a:ext cx="334986" cy="1"/>
+          <a:xfrm>
+            <a:off x="3711429" y="2802720"/>
+            <a:ext cx="423517" cy="1123"/>
           </a:xfrm>
           <a:prstGeom prst="straightConnector1">
             <a:avLst/>
@@ -12071,8 +11800,8 @@
         </p:nvCxnSpPr>
         <p:spPr>
           <a:xfrm>
-            <a:off x="4842538" y="2963981"/>
-            <a:ext cx="431542" cy="3100"/>
+            <a:off x="4931069" y="2803843"/>
+            <a:ext cx="357713" cy="2083"/>
           </a:xfrm>
           <a:prstGeom prst="straightConnector1">
             <a:avLst/>
@@ -12103,7 +11832,7 @@
         </p:nvSpPr>
         <p:spPr>
           <a:xfrm>
-            <a:off x="5274080" y="2836881"/>
+            <a:off x="5288782" y="2675726"/>
             <a:ext cx="1350900" cy="260400"/>
           </a:xfrm>
           <a:prstGeom prst="roundRect">
@@ -12173,21 +11902,17 @@
         </p:nvSpPr>
         <p:spPr>
           <a:xfrm>
-            <a:off x="60279" y="1331605"/>
-            <a:ext cx="1350900" cy="281417"/>
+            <a:off x="60279" y="1179663"/>
+            <a:ext cx="1350900" cy="568677"/>
           </a:xfrm>
           <a:prstGeom prst="roundRect">
             <a:avLst>
               <a:gd name="adj" fmla="val 6077"/>
             </a:avLst>
           </a:prstGeom>
-          <a:solidFill>
-            <a:srgbClr val="FFFFFF"/>
-          </a:solidFill>
+          <a:noFill/>
           <a:ln w="9525" cap="flat" cmpd="sng">
-            <a:solidFill>
-              <a:srgbClr val="000000"/>
-            </a:solidFill>
+            <a:noFill/>
             <a:prstDash val="solid"/>
             <a:round/>
             <a:headEnd type="none" w="sm" len="sm"/>
@@ -12210,9 +11935,14 @@
               <a:buNone/>
             </a:pPr>
             <a:r>
-              <a:rPr lang="en" sz="1000" dirty="0">
+              <a:rPr lang="en" sz="1000" b="1" dirty="0">
+                <a:ln w="3175">
+                  <a:noFill/>
+                </a:ln>
                 <a:solidFill>
-                  <a:srgbClr val="0000FF"/>
+                  <a:schemeClr val="accent1">
+                    <a:lumMod val="50000"/>
+                  </a:schemeClr>
                 </a:solidFill>
               </a:rPr>
               <a:t>Step 2</a:t>
@@ -12230,15 +11960,25 @@
             </a:pPr>
             <a:r>
               <a:rPr lang="en" sz="700" b="1" dirty="0">
+                <a:ln w="3175">
+                  <a:noFill/>
+                </a:ln>
                 <a:solidFill>
-                  <a:srgbClr val="0000FF"/>
+                  <a:schemeClr val="accent1">
+                    <a:lumMod val="50000"/>
+                  </a:schemeClr>
                 </a:solidFill>
               </a:rPr>
-              <a:t>Pseudo Labelling</a:t>
+              <a:t>Pseudo-Labelling</a:t>
             </a:r>
             <a:endParaRPr lang="en-IN" sz="600" b="1" dirty="0">
+              <a:ln w="3175">
+                <a:noFill/>
+              </a:ln>
               <a:solidFill>
-                <a:srgbClr val="0000FF"/>
+                <a:schemeClr val="accent1">
+                  <a:lumMod val="50000"/>
+                </a:schemeClr>
               </a:solidFill>
             </a:endParaRPr>
           </a:p>
@@ -12258,21 +11998,17 @@
         </p:nvSpPr>
         <p:spPr>
           <a:xfrm>
-            <a:off x="60279" y="2743523"/>
-            <a:ext cx="1350900" cy="281417"/>
+            <a:off x="60279" y="2399249"/>
+            <a:ext cx="1350900" cy="687173"/>
           </a:xfrm>
           <a:prstGeom prst="roundRect">
             <a:avLst>
               <a:gd name="adj" fmla="val 6077"/>
             </a:avLst>
           </a:prstGeom>
-          <a:solidFill>
-            <a:srgbClr val="FFFFFF"/>
-          </a:solidFill>
+          <a:noFill/>
           <a:ln w="9525" cap="flat" cmpd="sng">
-            <a:solidFill>
-              <a:srgbClr val="000000"/>
-            </a:solidFill>
+            <a:noFill/>
             <a:prstDash val="solid"/>
             <a:round/>
             <a:headEnd type="none" w="sm" len="sm"/>
@@ -12295,9 +12031,14 @@
               <a:buNone/>
             </a:pPr>
             <a:r>
-              <a:rPr lang="en" sz="1000" dirty="0">
+              <a:rPr lang="en" sz="1000" b="1" dirty="0">
+                <a:ln w="3175">
+                  <a:noFill/>
+                </a:ln>
                 <a:solidFill>
-                  <a:srgbClr val="0000FF"/>
+                  <a:schemeClr val="accent1">
+                    <a:lumMod val="50000"/>
+                  </a:schemeClr>
                 </a:solidFill>
               </a:rPr>
               <a:t>Step 3</a:t>
@@ -12315,15 +12056,25 @@
             </a:pPr>
             <a:r>
               <a:rPr lang="en" sz="700" b="1" dirty="0">
+                <a:ln w="3175">
+                  <a:noFill/>
+                </a:ln>
                 <a:solidFill>
-                  <a:srgbClr val="0000FF"/>
+                  <a:schemeClr val="accent1">
+                    <a:lumMod val="50000"/>
+                  </a:schemeClr>
                 </a:solidFill>
               </a:rPr>
-              <a:t>Final Training</a:t>
+              <a:t>Fine-Tuning</a:t>
             </a:r>
-            <a:endParaRPr lang="en-IN" sz="600" b="1" dirty="0">
+            <a:endParaRPr lang="en-IN" sz="700" b="1" dirty="0">
+              <a:ln w="3175">
+                <a:noFill/>
+              </a:ln>
               <a:solidFill>
-                <a:srgbClr val="0000FF"/>
+                <a:schemeClr val="accent1">
+                  <a:lumMod val="50000"/>
+                </a:schemeClr>
               </a:solidFill>
             </a:endParaRPr>
           </a:p>
@@ -12464,7 +12215,7 @@
         <p:spPr>
           <a:xfrm>
             <a:off x="1916241" y="2345989"/>
-            <a:ext cx="811951" cy="267216"/>
+            <a:ext cx="811951" cy="155633"/>
           </a:xfrm>
           <a:prstGeom prst="roundRect">
             <a:avLst>
@@ -12509,8 +12260,8 @@
         </p:nvSpPr>
         <p:spPr>
           <a:xfrm>
-            <a:off x="2815884" y="2679698"/>
-            <a:ext cx="811951" cy="267216"/>
+            <a:off x="2815884" y="2609363"/>
+            <a:ext cx="811951" cy="155632"/>
           </a:xfrm>
           <a:prstGeom prst="roundRect">
             <a:avLst>
@@ -12554,8 +12305,8 @@
         </p:nvSpPr>
         <p:spPr>
           <a:xfrm>
-            <a:off x="1918290" y="2679698"/>
-            <a:ext cx="811951" cy="267216"/>
+            <a:off x="1912299" y="2605460"/>
+            <a:ext cx="811951" cy="164557"/>
           </a:xfrm>
           <a:prstGeom prst="roundRect">
             <a:avLst>
@@ -12600,8 +12351,8 @@
         </p:nvSpPr>
         <p:spPr>
           <a:xfrm>
-            <a:off x="2809893" y="3301444"/>
-            <a:ext cx="811951" cy="267216"/>
+            <a:off x="2820566" y="3098857"/>
+            <a:ext cx="811951" cy="162212"/>
           </a:xfrm>
           <a:prstGeom prst="roundRect">
             <a:avLst>
@@ -12645,8 +12396,8 @@
         </p:nvSpPr>
         <p:spPr>
           <a:xfrm>
-            <a:off x="1912299" y="3301444"/>
-            <a:ext cx="811951" cy="267216"/>
+            <a:off x="1912279" y="3102181"/>
+            <a:ext cx="811951" cy="164557"/>
           </a:xfrm>
           <a:prstGeom prst="roundRect">
             <a:avLst>
@@ -12691,7 +12442,7 @@
         </p:nvSpPr>
         <p:spPr>
           <a:xfrm>
-            <a:off x="3827695" y="3138623"/>
+            <a:off x="3923148" y="3001554"/>
             <a:ext cx="1245962" cy="304420"/>
           </a:xfrm>
           <a:prstGeom prst="rect">
@@ -12836,10 +12587,32 @@
           <a:lstStyle/>
           <a:p>
             <a:pPr algn="ctr"/>
-            <a:endParaRPr lang="en-IN" sz="700" b="1" dirty="0">
+            <a:r>
+              <a:rPr lang="en-IN" sz="700" b="1" i="1" dirty="0">
+                <a:solidFill>
+                  <a:schemeClr val="tx1"/>
+                </a:solidFill>
+                <a:latin typeface="Baskerville" panose="02020502070401020303" pitchFamily="18" charset="0"/>
+                <a:ea typeface="Baskerville" panose="02020502070401020303" pitchFamily="18" charset="0"/>
+              </a:rPr>
+              <a:t>Y</a:t>
+            </a:r>
+            <a:r>
+              <a:rPr lang="en-IN" sz="700" b="1" i="1" baseline="-25000" dirty="0">
+                <a:solidFill>
+                  <a:schemeClr val="tx1"/>
+                </a:solidFill>
+                <a:latin typeface="Baskerville" panose="02020502070401020303" pitchFamily="18" charset="0"/>
+                <a:ea typeface="Baskerville" panose="02020502070401020303" pitchFamily="18" charset="0"/>
+              </a:rPr>
+              <a:t>D1</a:t>
+            </a:r>
+            <a:endParaRPr lang="en-IN" sz="700" b="1" i="1" dirty="0">
               <a:solidFill>
                 <a:schemeClr val="tx1"/>
               </a:solidFill>
+              <a:latin typeface="Baskerville" panose="02020502070401020303" pitchFamily="18" charset="0"/>
+              <a:ea typeface="Baskerville" panose="02020502070401020303" pitchFamily="18" charset="0"/>
             </a:endParaRPr>
           </a:p>
         </p:txBody>
@@ -12886,7 +12659,24 @@
           <a:lstStyle/>
           <a:p>
             <a:pPr lvl="0" algn="ctr"/>
-            <a:endParaRPr dirty="0"/>
+            <a:r>
+              <a:rPr lang="en-US" sz="800" b="1" i="1" dirty="0">
+                <a:latin typeface="Baskerville" panose="02020502070401020303" pitchFamily="18" charset="0"/>
+                <a:ea typeface="Baskerville" panose="02020502070401020303" pitchFamily="18" charset="0"/>
+              </a:rPr>
+              <a:t>X</a:t>
+            </a:r>
+            <a:r>
+              <a:rPr lang="en-US" sz="800" b="1" i="1" baseline="-25000" dirty="0">
+                <a:latin typeface="Baskerville" panose="02020502070401020303" pitchFamily="18" charset="0"/>
+                <a:ea typeface="Baskerville" panose="02020502070401020303" pitchFamily="18" charset="0"/>
+              </a:rPr>
+              <a:t>D1</a:t>
+            </a:r>
+            <a:endParaRPr sz="800" b="1" i="1" dirty="0">
+              <a:latin typeface="Baskerville" panose="02020502070401020303" pitchFamily="18" charset="0"/>
+              <a:ea typeface="Baskerville" panose="02020502070401020303" pitchFamily="18" charset="0"/>
+            </a:endParaRPr>
           </a:p>
         </p:txBody>
       </p:sp>
@@ -12904,8 +12694,8 @@
         </p:nvSpPr>
         <p:spPr>
           <a:xfrm>
-            <a:off x="1473015" y="2371875"/>
-            <a:ext cx="276038" cy="215444"/>
+            <a:off x="1488587" y="2310305"/>
+            <a:ext cx="303288" cy="215444"/>
           </a:xfrm>
           <a:prstGeom prst="rect">
             <a:avLst/>
@@ -12928,7 +12718,7 @@
                 <a:cs typeface="Libre Baskerville"/>
                 <a:sym typeface="Libre Baskerville"/>
               </a:rPr>
-              <a:t>x</a:t>
+              <a:t>D</a:t>
             </a:r>
             <a:r>
               <a:rPr lang="en-IN" sz="800" b="1" i="1" baseline="-25000" dirty="0">
@@ -12960,8 +12750,8 @@
         </p:nvSpPr>
         <p:spPr>
           <a:xfrm>
-            <a:off x="1458588" y="2705584"/>
-            <a:ext cx="304892" cy="215444"/>
+            <a:off x="1471598" y="2567032"/>
+            <a:ext cx="332142" cy="215444"/>
           </a:xfrm>
           <a:prstGeom prst="rect">
             <a:avLst/>
@@ -12984,7 +12774,7 @@
                 <a:cs typeface="Libre Baskerville"/>
                 <a:sym typeface="Libre Baskerville"/>
               </a:rPr>
-              <a:t>x</a:t>
+              <a:t>D</a:t>
             </a:r>
             <a:r>
               <a:rPr lang="en-IN" sz="800" b="1" i="1" baseline="30000" dirty="0">
@@ -13028,8 +12818,8 @@
         </p:nvSpPr>
         <p:spPr>
           <a:xfrm>
-            <a:off x="1445830" y="3327330"/>
-            <a:ext cx="304892" cy="215444"/>
+            <a:off x="1460879" y="3062634"/>
+            <a:ext cx="332142" cy="215444"/>
           </a:xfrm>
           <a:prstGeom prst="rect">
             <a:avLst/>
@@ -13052,7 +12842,7 @@
                 <a:cs typeface="Libre Baskerville"/>
                 <a:sym typeface="Libre Baskerville"/>
               </a:rPr>
-              <a:t>x</a:t>
+              <a:t>D</a:t>
             </a:r>
             <a:r>
               <a:rPr lang="en-IN" sz="800" b="1" i="1" baseline="30000" dirty="0">
@@ -13082,62 +12872,132 @@
           </a:p>
         </p:txBody>
       </p:sp>
-      <p:sp>
-        <p:nvSpPr>
-          <p:cNvPr id="213" name="TextBox 212">
-            <a:extLst>
-              <a:ext uri="{FF2B5EF4-FFF2-40B4-BE49-F238E27FC236}">
-                <a16:creationId xmlns:a16="http://schemas.microsoft.com/office/drawing/2014/main" id="{DE331C09-E66D-E54E-92A2-FBE8824DF56D}"/>
-              </a:ext>
-            </a:extLst>
-          </p:cNvPr>
-          <p:cNvSpPr txBox="1"/>
-          <p:nvPr/>
-        </p:nvSpPr>
-        <p:spPr>
-          <a:xfrm>
-            <a:off x="2556066" y="3689519"/>
-            <a:ext cx="349776" cy="215444"/>
-          </a:xfrm>
-          <a:prstGeom prst="rect">
-            <a:avLst/>
-          </a:prstGeom>
-          <a:noFill/>
-        </p:spPr>
-        <p:txBody>
-          <a:bodyPr wrap="none" rtlCol="0">
-            <a:spAutoFit/>
-          </a:bodyPr>
-          <a:lstStyle/>
-          <a:p>
-            <a:r>
-              <a:rPr lang="en-IN" sz="800" b="1" i="1" dirty="0">
-                <a:solidFill>
-                  <a:schemeClr val="tx1"/>
-                </a:solidFill>
-                <a:latin typeface="Libre Baskerville"/>
-                <a:ea typeface="Libre Baskerville"/>
-                <a:cs typeface="Libre Baskerville"/>
-                <a:sym typeface="Libre Baskerville"/>
-              </a:rPr>
-              <a:t>X</a:t>
-            </a:r>
-            <a:r>
-              <a:rPr lang="en-IN" sz="800" b="1" i="1" baseline="-25000" dirty="0">
-                <a:solidFill>
-                  <a:schemeClr val="tx1"/>
-                </a:solidFill>
-                <a:latin typeface="Libre Baskerville"/>
-                <a:ea typeface="Libre Baskerville"/>
-                <a:cs typeface="Libre Baskerville"/>
-                <a:sym typeface="Libre Baskerville"/>
-              </a:rPr>
-              <a:t>T1</a:t>
-            </a:r>
-            <a:endParaRPr lang="en-IN" sz="800" dirty="0"/>
-          </a:p>
-        </p:txBody>
-      </p:sp>
+      <mc:AlternateContent xmlns:mc="http://schemas.openxmlformats.org/markup-compatibility/2006">
+        <mc:Choice xmlns:a14="http://schemas.microsoft.com/office/drawing/2010/main" Requires="a14">
+          <p:sp>
+            <p:nvSpPr>
+              <p:cNvPr id="213" name="TextBox 212">
+                <a:extLst>
+                  <a:ext uri="{FF2B5EF4-FFF2-40B4-BE49-F238E27FC236}">
+                    <a16:creationId xmlns:a16="http://schemas.microsoft.com/office/drawing/2014/main" id="{DE331C09-E66D-E54E-92A2-FBE8824DF56D}"/>
+                  </a:ext>
+                </a:extLst>
+              </p:cNvPr>
+              <p:cNvSpPr txBox="1"/>
+              <p:nvPr/>
+            </p:nvSpPr>
+            <p:spPr>
+              <a:xfrm>
+                <a:off x="2579768" y="3363378"/>
+                <a:ext cx="293670" cy="218650"/>
+              </a:xfrm>
+              <a:prstGeom prst="rect">
+                <a:avLst/>
+              </a:prstGeom>
+              <a:noFill/>
+            </p:spPr>
+            <p:txBody>
+              <a:bodyPr wrap="none" rtlCol="0">
+                <a:spAutoFit/>
+              </a:bodyPr>
+              <a:lstStyle/>
+              <a:p>
+                <a14:m>
+                  <m:oMath xmlns:m="http://schemas.openxmlformats.org/officeDocument/2006/math">
+                    <m:acc>
+                      <m:accPr>
+                        <m:chr m:val="̂"/>
+                        <m:ctrlPr>
+                          <a:rPr lang="en-IN" sz="800" b="1" i="1" dirty="0">
+                            <a:solidFill>
+                              <a:schemeClr val="tx1"/>
+                            </a:solidFill>
+                            <a:latin typeface="Libre Baskerville"/>
+                            <a:ea typeface="Libre Baskerville"/>
+                            <a:cs typeface="Libre Baskerville"/>
+                            <a:sym typeface="Libre Baskerville"/>
+                          </a:rPr>
+                        </m:ctrlPr>
+                      </m:accPr>
+                      <m:e>
+                        <m:r>
+                          <a:rPr lang="en-US" sz="800" b="1" i="1" dirty="0">
+                            <a:solidFill>
+                              <a:schemeClr val="tx1"/>
+                            </a:solidFill>
+                            <a:latin typeface="Libre Baskerville"/>
+                            <a:ea typeface="Libre Baskerville"/>
+                            <a:cs typeface="Libre Baskerville"/>
+                            <a:sym typeface="Libre Baskerville"/>
+                          </a:rPr>
+                          <m:t>𝑫</m:t>
+                        </m:r>
+                      </m:e>
+                    </m:acc>
+                  </m:oMath>
+                </a14:m>
+                <a:r>
+                  <a:rPr lang="en-IN" sz="800" b="1" i="1" baseline="-25000" dirty="0">
+                    <a:solidFill>
+                      <a:schemeClr val="tx1"/>
+                    </a:solidFill>
+                    <a:latin typeface="Libre Baskerville"/>
+                    <a:ea typeface="Libre Baskerville"/>
+                    <a:cs typeface="Libre Baskerville"/>
+                    <a:sym typeface="Libre Baskerville"/>
+                  </a:rPr>
+                  <a:t>1</a:t>
+                </a:r>
+                <a:endParaRPr lang="en-IN" sz="800" dirty="0"/>
+              </a:p>
+            </p:txBody>
+          </p:sp>
+        </mc:Choice>
+        <mc:Fallback>
+          <p:sp>
+            <p:nvSpPr>
+              <p:cNvPr id="213" name="TextBox 212">
+                <a:extLst>
+                  <a:ext uri="{FF2B5EF4-FFF2-40B4-BE49-F238E27FC236}">
+                    <a16:creationId xmlns:a16="http://schemas.microsoft.com/office/drawing/2014/main" id="{DE331C09-E66D-E54E-92A2-FBE8824DF56D}"/>
+                  </a:ext>
+                </a:extLst>
+              </p:cNvPr>
+              <p:cNvSpPr txBox="1">
+                <a:spLocks noRot="1" noChangeAspect="1" noMove="1" noResize="1" noEditPoints="1" noAdjustHandles="1" noChangeArrowheads="1" noChangeShapeType="1" noTextEdit="1"/>
+              </p:cNvSpPr>
+              <p:nvPr/>
+            </p:nvSpPr>
+            <p:spPr>
+              <a:xfrm>
+                <a:off x="2579768" y="3363378"/>
+                <a:ext cx="293670" cy="218650"/>
+              </a:xfrm>
+              <a:prstGeom prst="rect">
+                <a:avLst/>
+              </a:prstGeom>
+              <a:blipFill>
+                <a:blip r:embed="rId3"/>
+                <a:stretch>
+                  <a:fillRect/>
+                </a:stretch>
+              </a:blipFill>
+            </p:spPr>
+            <p:txBody>
+              <a:bodyPr/>
+              <a:lstStyle/>
+              <a:p>
+                <a:r>
+                  <a:rPr lang="en-GB">
+                    <a:noFill/>
+                  </a:rPr>
+                  <a:t> </a:t>
+                </a:r>
+              </a:p>
+            </p:txBody>
+          </p:sp>
+        </mc:Fallback>
+      </mc:AlternateContent>
       <p:grpSp>
         <p:nvGrpSpPr>
           <p:cNvPr id="224" name="Group 223">
@@ -13153,9 +13013,9 @@
         <p:grpSpPr>
           <a:xfrm>
             <a:off x="3965554" y="3443043"/>
-            <a:ext cx="2751351" cy="423599"/>
+            <a:ext cx="2801221" cy="423599"/>
             <a:chOff x="4046414" y="3443043"/>
-            <a:chExt cx="2751351" cy="423599"/>
+            <a:chExt cx="2801221" cy="423599"/>
           </a:xfrm>
         </p:grpSpPr>
         <p:sp>
@@ -13273,7 +13133,7 @@
           <p:spPr>
             <a:xfrm>
               <a:off x="4458861" y="3577898"/>
-              <a:ext cx="575799" cy="153888"/>
+              <a:ext cx="660758" cy="169277"/>
             </a:xfrm>
             <a:prstGeom prst="rect">
               <a:avLst/>
@@ -13287,7 +13147,7 @@
             <a:lstStyle/>
             <a:p>
               <a:r>
-                <a:rPr lang="en-IN" sz="400" b="1" dirty="0">
+                <a:rPr lang="en-IN" sz="500" b="1" dirty="0">
                   <a:solidFill>
                     <a:schemeClr val="tx1"/>
                   </a:solidFill>
@@ -13298,7 +13158,7 @@
                 </a:rPr>
                 <a:t>Unlabelled Data</a:t>
               </a:r>
-              <a:endParaRPr lang="en-IN" sz="400" dirty="0">
+              <a:endParaRPr lang="en-IN" sz="500" dirty="0">
                 <a:latin typeface="+mj-lt"/>
               </a:endParaRPr>
             </a:p>
@@ -13367,8 +13227,8 @@
           </p:nvSpPr>
           <p:spPr>
             <a:xfrm>
-              <a:off x="5424372" y="3583855"/>
-              <a:ext cx="476412" cy="153888"/>
+              <a:off x="5400148" y="3583855"/>
+              <a:ext cx="540533" cy="169277"/>
             </a:xfrm>
             <a:prstGeom prst="rect">
               <a:avLst/>
@@ -13382,7 +13242,7 @@
             <a:lstStyle/>
             <a:p>
               <a:r>
-                <a:rPr lang="en-IN" sz="400" b="1" dirty="0">
+                <a:rPr lang="en-IN" sz="500" b="1" dirty="0">
                   <a:solidFill>
                     <a:schemeClr val="tx1"/>
                   </a:solidFill>
@@ -13393,7 +13253,7 @@
                 </a:rPr>
                 <a:t>Data Labels</a:t>
               </a:r>
-              <a:endParaRPr lang="en-IN" sz="400" b="1" dirty="0">
+              <a:endParaRPr lang="en-IN" sz="500" b="1" dirty="0">
                 <a:latin typeface="+mj-lt"/>
               </a:endParaRPr>
             </a:p>
@@ -13458,8 +13318,8 @@
           </p:nvSpPr>
           <p:spPr>
             <a:xfrm>
-              <a:off x="6242805" y="3583855"/>
-              <a:ext cx="554960" cy="153888"/>
+              <a:off x="6212525" y="3583855"/>
+              <a:ext cx="635110" cy="169277"/>
             </a:xfrm>
             <a:prstGeom prst="rect">
               <a:avLst/>
@@ -13473,7 +13333,7 @@
             <a:lstStyle/>
             <a:p>
               <a:r>
-                <a:rPr lang="en-IN" sz="400" b="1" dirty="0">
+                <a:rPr lang="en-IN" sz="500" b="1" dirty="0">
                   <a:solidFill>
                     <a:schemeClr val="tx1"/>
                   </a:solidFill>
@@ -13482,9 +13342,473 @@
                 </a:rPr>
                 <a:t>Pseudo-Labels</a:t>
               </a:r>
-              <a:endParaRPr lang="en-IN" sz="400" dirty="0">
+              <a:endParaRPr lang="en-IN" sz="500" dirty="0">
                 <a:latin typeface="+mj-lt"/>
               </a:endParaRPr>
+            </a:p>
+          </p:txBody>
+        </p:sp>
+      </p:grpSp>
+      <p:cxnSp>
+        <p:nvCxnSpPr>
+          <p:cNvPr id="3" name="Straight Connector 2">
+            <a:extLst>
+              <a:ext uri="{FF2B5EF4-FFF2-40B4-BE49-F238E27FC236}">
+                <a16:creationId xmlns:a16="http://schemas.microsoft.com/office/drawing/2014/main" id="{C17FA6EC-F0D2-E549-9500-85CFA4AEFAF8}"/>
+              </a:ext>
+            </a:extLst>
+          </p:cNvPr>
+          <p:cNvCxnSpPr>
+            <a:cxnSpLocks/>
+          </p:cNvCxnSpPr>
+          <p:nvPr/>
+        </p:nvCxnSpPr>
+        <p:spPr>
+          <a:xfrm flipV="1">
+            <a:off x="165798" y="741030"/>
+            <a:ext cx="6473884" cy="7181"/>
+          </a:xfrm>
+          <a:prstGeom prst="line">
+            <a:avLst/>
+          </a:prstGeom>
+          <a:ln>
+            <a:solidFill>
+              <a:schemeClr val="tx1">
+                <a:lumMod val="50000"/>
+                <a:lumOff val="50000"/>
+              </a:schemeClr>
+            </a:solidFill>
+            <a:prstDash val="sysDot"/>
+          </a:ln>
+        </p:spPr>
+        <p:style>
+          <a:lnRef idx="1">
+            <a:schemeClr val="accent1"/>
+          </a:lnRef>
+          <a:fillRef idx="0">
+            <a:schemeClr val="accent1"/>
+          </a:fillRef>
+          <a:effectRef idx="0">
+            <a:schemeClr val="accent1"/>
+          </a:effectRef>
+          <a:fontRef idx="minor">
+            <a:schemeClr val="tx1"/>
+          </a:fontRef>
+        </p:style>
+      </p:cxnSp>
+      <p:cxnSp>
+        <p:nvCxnSpPr>
+          <p:cNvPr id="88" name="Straight Connector 87">
+            <a:extLst>
+              <a:ext uri="{FF2B5EF4-FFF2-40B4-BE49-F238E27FC236}">
+                <a16:creationId xmlns:a16="http://schemas.microsoft.com/office/drawing/2014/main" id="{C86BFCBD-1CE9-544C-8B00-F529C99F1F96}"/>
+              </a:ext>
+            </a:extLst>
+          </p:cNvPr>
+          <p:cNvCxnSpPr>
+            <a:cxnSpLocks/>
+          </p:cNvCxnSpPr>
+          <p:nvPr/>
+        </p:nvCxnSpPr>
+        <p:spPr>
+          <a:xfrm>
+            <a:off x="165798" y="2153632"/>
+            <a:ext cx="6473884" cy="11588"/>
+          </a:xfrm>
+          <a:prstGeom prst="line">
+            <a:avLst/>
+          </a:prstGeom>
+          <a:ln>
+            <a:solidFill>
+              <a:schemeClr val="tx1">
+                <a:lumMod val="50000"/>
+                <a:lumOff val="50000"/>
+              </a:schemeClr>
+            </a:solidFill>
+            <a:prstDash val="sysDot"/>
+          </a:ln>
+        </p:spPr>
+        <p:style>
+          <a:lnRef idx="1">
+            <a:schemeClr val="accent1"/>
+          </a:lnRef>
+          <a:fillRef idx="0">
+            <a:schemeClr val="accent1"/>
+          </a:fillRef>
+          <a:effectRef idx="0">
+            <a:schemeClr val="accent1"/>
+          </a:effectRef>
+          <a:fontRef idx="minor">
+            <a:schemeClr val="tx1"/>
+          </a:fontRef>
+        </p:style>
+      </p:cxnSp>
+      <p:grpSp>
+        <p:nvGrpSpPr>
+          <p:cNvPr id="95" name="Group 94">
+            <a:extLst>
+              <a:ext uri="{FF2B5EF4-FFF2-40B4-BE49-F238E27FC236}">
+                <a16:creationId xmlns:a16="http://schemas.microsoft.com/office/drawing/2014/main" id="{080D4A4A-75D0-3A4D-B75C-A46811D3D931}"/>
+              </a:ext>
+            </a:extLst>
+          </p:cNvPr>
+          <p:cNvGrpSpPr/>
+          <p:nvPr/>
+        </p:nvGrpSpPr>
+        <p:grpSpPr>
+          <a:xfrm>
+            <a:off x="2079806" y="830033"/>
+            <a:ext cx="1350900" cy="345881"/>
+            <a:chOff x="1504609" y="389967"/>
+            <a:chExt cx="1350900" cy="345881"/>
+          </a:xfrm>
+        </p:grpSpPr>
+        <p:sp>
+          <p:nvSpPr>
+            <p:cNvPr id="96" name="Google Shape;57;p13">
+              <a:extLst>
+                <a:ext uri="{FF2B5EF4-FFF2-40B4-BE49-F238E27FC236}">
+                  <a16:creationId xmlns:a16="http://schemas.microsoft.com/office/drawing/2014/main" id="{FBB2185B-7E24-4246-92E9-06AE5B031152}"/>
+                </a:ext>
+              </a:extLst>
+            </p:cNvPr>
+            <p:cNvSpPr/>
+            <p:nvPr/>
+          </p:nvSpPr>
+          <p:spPr>
+            <a:xfrm>
+              <a:off x="1504609" y="468632"/>
+              <a:ext cx="1350900" cy="267216"/>
+            </a:xfrm>
+            <a:prstGeom prst="roundRect">
+              <a:avLst>
+                <a:gd name="adj" fmla="val 6888"/>
+              </a:avLst>
+            </a:prstGeom>
+            <a:solidFill>
+              <a:srgbClr val="FCE5CD"/>
+            </a:solidFill>
+            <a:ln w="9525" cap="flat" cmpd="sng">
+              <a:solidFill>
+                <a:srgbClr val="000000"/>
+              </a:solidFill>
+              <a:prstDash val="dash"/>
+              <a:round/>
+              <a:headEnd type="none" w="sm" len="sm"/>
+              <a:tailEnd type="none" w="sm" len="sm"/>
+            </a:ln>
+          </p:spPr>
+          <p:txBody>
+            <a:bodyPr spcFirstLastPara="1" wrap="square" lIns="91425" tIns="91425" rIns="91425" bIns="91425" anchor="ctr" anchorCtr="0">
+              <a:noAutofit/>
+            </a:bodyPr>
+            <a:lstStyle/>
+            <a:p>
+              <a:pPr marL="0" lvl="0" indent="0" algn="l" rtl="0">
+                <a:spcBef>
+                  <a:spcPts val="0"/>
+                </a:spcBef>
+                <a:spcAft>
+                  <a:spcPts val="0"/>
+                </a:spcAft>
+                <a:buNone/>
+              </a:pPr>
+              <a:endParaRPr dirty="0"/>
+            </a:p>
+          </p:txBody>
+        </p:sp>
+        <p:sp>
+          <p:nvSpPr>
+            <p:cNvPr id="97" name="Google Shape;61;p13">
+              <a:extLst>
+                <a:ext uri="{FF2B5EF4-FFF2-40B4-BE49-F238E27FC236}">
+                  <a16:creationId xmlns:a16="http://schemas.microsoft.com/office/drawing/2014/main" id="{6EAA329C-7A9F-6944-9D47-E18001E1C9B3}"/>
+                </a:ext>
+              </a:extLst>
+            </p:cNvPr>
+            <p:cNvSpPr/>
+            <p:nvPr/>
+          </p:nvSpPr>
+          <p:spPr>
+            <a:xfrm>
+              <a:off x="1530849" y="519632"/>
+              <a:ext cx="142200" cy="152400"/>
+            </a:xfrm>
+            <a:prstGeom prst="rect">
+              <a:avLst/>
+            </a:prstGeom>
+            <a:solidFill>
+              <a:srgbClr val="F9CB9C"/>
+            </a:solidFill>
+            <a:ln w="9525" cap="flat" cmpd="sng">
+              <a:solidFill>
+                <a:srgbClr val="000000"/>
+              </a:solidFill>
+              <a:prstDash val="solid"/>
+              <a:round/>
+              <a:headEnd type="none" w="sm" len="sm"/>
+              <a:tailEnd type="none" w="sm" len="sm"/>
+            </a:ln>
+          </p:spPr>
+          <p:txBody>
+            <a:bodyPr spcFirstLastPara="1" wrap="square" lIns="91425" tIns="91425" rIns="91425" bIns="91425" anchor="ctr" anchorCtr="0">
+              <a:noAutofit/>
+            </a:bodyPr>
+            <a:lstStyle/>
+            <a:p>
+              <a:pPr marL="0" lvl="0" indent="0" algn="l" rtl="0">
+                <a:spcBef>
+                  <a:spcPts val="0"/>
+                </a:spcBef>
+                <a:spcAft>
+                  <a:spcPts val="0"/>
+                </a:spcAft>
+                <a:buNone/>
+              </a:pPr>
+              <a:endParaRPr dirty="0"/>
+            </a:p>
+          </p:txBody>
+        </p:sp>
+        <p:sp>
+          <p:nvSpPr>
+            <p:cNvPr id="98" name="Google Shape;100;p13">
+              <a:extLst>
+                <a:ext uri="{FF2B5EF4-FFF2-40B4-BE49-F238E27FC236}">
+                  <a16:creationId xmlns:a16="http://schemas.microsoft.com/office/drawing/2014/main" id="{C9A01028-56A9-1B45-8FE9-C01E7EC2E9F6}"/>
+                </a:ext>
+              </a:extLst>
+            </p:cNvPr>
+            <p:cNvSpPr/>
+            <p:nvPr/>
+          </p:nvSpPr>
+          <p:spPr>
+            <a:xfrm>
+              <a:off x="1759449" y="519632"/>
+              <a:ext cx="142200" cy="152400"/>
+            </a:xfrm>
+            <a:prstGeom prst="rect">
+              <a:avLst/>
+            </a:prstGeom>
+            <a:solidFill>
+              <a:srgbClr val="F9CB9C"/>
+            </a:solidFill>
+            <a:ln w="9525" cap="flat" cmpd="sng">
+              <a:solidFill>
+                <a:srgbClr val="000000"/>
+              </a:solidFill>
+              <a:prstDash val="solid"/>
+              <a:round/>
+              <a:headEnd type="none" w="sm" len="sm"/>
+              <a:tailEnd type="none" w="sm" len="sm"/>
+            </a:ln>
+          </p:spPr>
+          <p:txBody>
+            <a:bodyPr spcFirstLastPara="1" wrap="square" lIns="91425" tIns="91425" rIns="91425" bIns="91425" anchor="ctr" anchorCtr="0">
+              <a:noAutofit/>
+            </a:bodyPr>
+            <a:lstStyle/>
+            <a:p>
+              <a:pPr marL="0" lvl="0" indent="0" algn="l" rtl="0">
+                <a:spcBef>
+                  <a:spcPts val="0"/>
+                </a:spcBef>
+                <a:spcAft>
+                  <a:spcPts val="0"/>
+                </a:spcAft>
+                <a:buNone/>
+              </a:pPr>
+              <a:endParaRPr dirty="0"/>
+            </a:p>
+          </p:txBody>
+        </p:sp>
+        <p:sp>
+          <p:nvSpPr>
+            <p:cNvPr id="99" name="Google Shape;114;p13">
+              <a:extLst>
+                <a:ext uri="{FF2B5EF4-FFF2-40B4-BE49-F238E27FC236}">
+                  <a16:creationId xmlns:a16="http://schemas.microsoft.com/office/drawing/2014/main" id="{6BF9D5F0-DA86-334F-8DD1-D28BA474EEC2}"/>
+                </a:ext>
+              </a:extLst>
+            </p:cNvPr>
+            <p:cNvSpPr/>
+            <p:nvPr/>
+          </p:nvSpPr>
+          <p:spPr>
+            <a:xfrm>
+              <a:off x="1988049" y="519632"/>
+              <a:ext cx="142200" cy="152400"/>
+            </a:xfrm>
+            <a:prstGeom prst="rect">
+              <a:avLst/>
+            </a:prstGeom>
+            <a:solidFill>
+              <a:srgbClr val="F9CB9C"/>
+            </a:solidFill>
+            <a:ln w="9525" cap="flat" cmpd="sng">
+              <a:solidFill>
+                <a:srgbClr val="000000"/>
+              </a:solidFill>
+              <a:prstDash val="solid"/>
+              <a:round/>
+              <a:headEnd type="none" w="sm" len="sm"/>
+              <a:tailEnd type="none" w="sm" len="sm"/>
+            </a:ln>
+          </p:spPr>
+          <p:txBody>
+            <a:bodyPr spcFirstLastPara="1" wrap="square" lIns="91425" tIns="91425" rIns="91425" bIns="91425" anchor="ctr" anchorCtr="0">
+              <a:noAutofit/>
+            </a:bodyPr>
+            <a:lstStyle/>
+            <a:p>
+              <a:pPr marL="0" lvl="0" indent="0" algn="l" rtl="0">
+                <a:spcBef>
+                  <a:spcPts val="0"/>
+                </a:spcBef>
+                <a:spcAft>
+                  <a:spcPts val="0"/>
+                </a:spcAft>
+                <a:buNone/>
+              </a:pPr>
+              <a:endParaRPr dirty="0"/>
+            </a:p>
+          </p:txBody>
+        </p:sp>
+        <p:sp>
+          <p:nvSpPr>
+            <p:cNvPr id="100" name="Google Shape;128;p13">
+              <a:extLst>
+                <a:ext uri="{FF2B5EF4-FFF2-40B4-BE49-F238E27FC236}">
+                  <a16:creationId xmlns:a16="http://schemas.microsoft.com/office/drawing/2014/main" id="{060791B7-350B-674B-8631-777E1D3F4277}"/>
+                </a:ext>
+              </a:extLst>
+            </p:cNvPr>
+            <p:cNvSpPr/>
+            <p:nvPr/>
+          </p:nvSpPr>
+          <p:spPr>
+            <a:xfrm>
+              <a:off x="2216649" y="519632"/>
+              <a:ext cx="142200" cy="152400"/>
+            </a:xfrm>
+            <a:prstGeom prst="rect">
+              <a:avLst/>
+            </a:prstGeom>
+            <a:solidFill>
+              <a:srgbClr val="F9CB9C"/>
+            </a:solidFill>
+            <a:ln w="9525" cap="flat" cmpd="sng">
+              <a:solidFill>
+                <a:srgbClr val="000000"/>
+              </a:solidFill>
+              <a:prstDash val="solid"/>
+              <a:round/>
+              <a:headEnd type="none" w="sm" len="sm"/>
+              <a:tailEnd type="none" w="sm" len="sm"/>
+            </a:ln>
+          </p:spPr>
+          <p:txBody>
+            <a:bodyPr spcFirstLastPara="1" wrap="square" lIns="91425" tIns="91425" rIns="91425" bIns="91425" anchor="ctr" anchorCtr="0">
+              <a:noAutofit/>
+            </a:bodyPr>
+            <a:lstStyle/>
+            <a:p>
+              <a:pPr marL="0" lvl="0" indent="0" algn="l" rtl="0">
+                <a:spcBef>
+                  <a:spcPts val="0"/>
+                </a:spcBef>
+                <a:spcAft>
+                  <a:spcPts val="0"/>
+                </a:spcAft>
+                <a:buNone/>
+              </a:pPr>
+              <a:endParaRPr dirty="0"/>
+            </a:p>
+          </p:txBody>
+        </p:sp>
+        <p:sp>
+          <p:nvSpPr>
+            <p:cNvPr id="101" name="Google Shape;142;p13">
+              <a:extLst>
+                <a:ext uri="{FF2B5EF4-FFF2-40B4-BE49-F238E27FC236}">
+                  <a16:creationId xmlns:a16="http://schemas.microsoft.com/office/drawing/2014/main" id="{53D2DEB7-4485-0648-873B-7E148C0D8263}"/>
+                </a:ext>
+              </a:extLst>
+            </p:cNvPr>
+            <p:cNvSpPr/>
+            <p:nvPr/>
+          </p:nvSpPr>
+          <p:spPr>
+            <a:xfrm>
+              <a:off x="2673849" y="519632"/>
+              <a:ext cx="142200" cy="152400"/>
+            </a:xfrm>
+            <a:prstGeom prst="rect">
+              <a:avLst/>
+            </a:prstGeom>
+            <a:solidFill>
+              <a:srgbClr val="F9CB9C"/>
+            </a:solidFill>
+            <a:ln w="9525" cap="flat" cmpd="sng">
+              <a:solidFill>
+                <a:srgbClr val="000000"/>
+              </a:solidFill>
+              <a:prstDash val="solid"/>
+              <a:round/>
+              <a:headEnd type="none" w="sm" len="sm"/>
+              <a:tailEnd type="none" w="sm" len="sm"/>
+            </a:ln>
+          </p:spPr>
+          <p:txBody>
+            <a:bodyPr spcFirstLastPara="1" wrap="square" lIns="91425" tIns="91425" rIns="91425" bIns="91425" anchor="ctr" anchorCtr="0">
+              <a:noAutofit/>
+            </a:bodyPr>
+            <a:lstStyle/>
+            <a:p>
+              <a:pPr marL="0" lvl="0" indent="0" algn="l" rtl="0">
+                <a:spcBef>
+                  <a:spcPts val="0"/>
+                </a:spcBef>
+                <a:spcAft>
+                  <a:spcPts val="0"/>
+                </a:spcAft>
+                <a:buNone/>
+              </a:pPr>
+              <a:endParaRPr dirty="0"/>
+            </a:p>
+          </p:txBody>
+        </p:sp>
+        <p:sp>
+          <p:nvSpPr>
+            <p:cNvPr id="102" name="TextBox 101">
+              <a:extLst>
+                <a:ext uri="{FF2B5EF4-FFF2-40B4-BE49-F238E27FC236}">
+                  <a16:creationId xmlns:a16="http://schemas.microsoft.com/office/drawing/2014/main" id="{7713408D-236C-4949-BE9B-96C87E7EF1F1}"/>
+                </a:ext>
+              </a:extLst>
+            </p:cNvPr>
+            <p:cNvSpPr txBox="1"/>
+            <p:nvPr/>
+          </p:nvSpPr>
+          <p:spPr>
+            <a:xfrm>
+              <a:off x="2336847" y="389967"/>
+              <a:ext cx="333155" cy="307777"/>
+            </a:xfrm>
+            <a:prstGeom prst="rect">
+              <a:avLst/>
+            </a:prstGeom>
+            <a:noFill/>
+          </p:spPr>
+          <p:txBody>
+            <a:bodyPr wrap="square" rtlCol="0">
+              <a:spAutoFit/>
+            </a:bodyPr>
+            <a:lstStyle/>
+            <a:p>
+              <a:r>
+                <a:rPr lang="en-US" b="1" dirty="0"/>
+                <a:t>…</a:t>
+              </a:r>
             </a:p>
           </p:txBody>
         </p:sp>
